--- a/논문준비/프레젠테이션1.pptx
+++ b/논문준비/프레젠테이션1.pptx
@@ -10,14 +10,14 @@
     <p:sldId id="272" r:id="rId4"/>
     <p:sldId id="268" r:id="rId5"/>
     <p:sldId id="270" r:id="rId6"/>
-    <p:sldId id="267" r:id="rId7"/>
-    <p:sldId id="262" r:id="rId8"/>
-    <p:sldId id="265" r:id="rId9"/>
-    <p:sldId id="257" r:id="rId10"/>
-    <p:sldId id="258" r:id="rId11"/>
-    <p:sldId id="266" r:id="rId12"/>
-    <p:sldId id="259" r:id="rId13"/>
-    <p:sldId id="260" r:id="rId14"/>
+    <p:sldId id="262" r:id="rId7"/>
+    <p:sldId id="265" r:id="rId8"/>
+    <p:sldId id="257" r:id="rId9"/>
+    <p:sldId id="258" r:id="rId10"/>
+    <p:sldId id="266" r:id="rId11"/>
+    <p:sldId id="259" r:id="rId12"/>
+    <p:sldId id="260" r:id="rId13"/>
+    <p:sldId id="267" r:id="rId14"/>
     <p:sldId id="263" r:id="rId15"/>
     <p:sldId id="264" r:id="rId16"/>
   </p:sldIdLst>
@@ -255,7 +255,7 @@
           <a:p>
             <a:fld id="{607D3513-3EC7-420F-BBC2-676E31E5A7A1}" type="datetimeFigureOut">
               <a:rPr lang="ko-KR" altLang="en-US" smtClean="0"/>
-              <a:t>2021-09-01</a:t>
+              <a:t>2021-09-14</a:t>
             </a:fld>
             <a:endParaRPr lang="ko-KR" altLang="en-US"/>
           </a:p>
@@ -423,7 +423,7 @@
           <a:p>
             <a:fld id="{607D3513-3EC7-420F-BBC2-676E31E5A7A1}" type="datetimeFigureOut">
               <a:rPr lang="ko-KR" altLang="en-US" smtClean="0"/>
-              <a:t>2021-09-01</a:t>
+              <a:t>2021-09-14</a:t>
             </a:fld>
             <a:endParaRPr lang="ko-KR" altLang="en-US"/>
           </a:p>
@@ -601,7 +601,7 @@
           <a:p>
             <a:fld id="{607D3513-3EC7-420F-BBC2-676E31E5A7A1}" type="datetimeFigureOut">
               <a:rPr lang="ko-KR" altLang="en-US" smtClean="0"/>
-              <a:t>2021-09-01</a:t>
+              <a:t>2021-09-14</a:t>
             </a:fld>
             <a:endParaRPr lang="ko-KR" altLang="en-US"/>
           </a:p>
@@ -769,7 +769,7 @@
           <a:p>
             <a:fld id="{607D3513-3EC7-420F-BBC2-676E31E5A7A1}" type="datetimeFigureOut">
               <a:rPr lang="ko-KR" altLang="en-US" smtClean="0"/>
-              <a:t>2021-09-01</a:t>
+              <a:t>2021-09-14</a:t>
             </a:fld>
             <a:endParaRPr lang="ko-KR" altLang="en-US"/>
           </a:p>
@@ -1014,7 +1014,7 @@
           <a:p>
             <a:fld id="{607D3513-3EC7-420F-BBC2-676E31E5A7A1}" type="datetimeFigureOut">
               <a:rPr lang="ko-KR" altLang="en-US" smtClean="0"/>
-              <a:t>2021-09-01</a:t>
+              <a:t>2021-09-14</a:t>
             </a:fld>
             <a:endParaRPr lang="ko-KR" altLang="en-US"/>
           </a:p>
@@ -1243,7 +1243,7 @@
           <a:p>
             <a:fld id="{607D3513-3EC7-420F-BBC2-676E31E5A7A1}" type="datetimeFigureOut">
               <a:rPr lang="ko-KR" altLang="en-US" smtClean="0"/>
-              <a:t>2021-09-01</a:t>
+              <a:t>2021-09-14</a:t>
             </a:fld>
             <a:endParaRPr lang="ko-KR" altLang="en-US"/>
           </a:p>
@@ -1607,7 +1607,7 @@
           <a:p>
             <a:fld id="{607D3513-3EC7-420F-BBC2-676E31E5A7A1}" type="datetimeFigureOut">
               <a:rPr lang="ko-KR" altLang="en-US" smtClean="0"/>
-              <a:t>2021-09-01</a:t>
+              <a:t>2021-09-14</a:t>
             </a:fld>
             <a:endParaRPr lang="ko-KR" altLang="en-US"/>
           </a:p>
@@ -1724,7 +1724,7 @@
           <a:p>
             <a:fld id="{607D3513-3EC7-420F-BBC2-676E31E5A7A1}" type="datetimeFigureOut">
               <a:rPr lang="ko-KR" altLang="en-US" smtClean="0"/>
-              <a:t>2021-09-01</a:t>
+              <a:t>2021-09-14</a:t>
             </a:fld>
             <a:endParaRPr lang="ko-KR" altLang="en-US"/>
           </a:p>
@@ -1819,7 +1819,7 @@
           <a:p>
             <a:fld id="{607D3513-3EC7-420F-BBC2-676E31E5A7A1}" type="datetimeFigureOut">
               <a:rPr lang="ko-KR" altLang="en-US" smtClean="0"/>
-              <a:t>2021-09-01</a:t>
+              <a:t>2021-09-14</a:t>
             </a:fld>
             <a:endParaRPr lang="ko-KR" altLang="en-US"/>
           </a:p>
@@ -2094,7 +2094,7 @@
           <a:p>
             <a:fld id="{607D3513-3EC7-420F-BBC2-676E31E5A7A1}" type="datetimeFigureOut">
               <a:rPr lang="ko-KR" altLang="en-US" smtClean="0"/>
-              <a:t>2021-09-01</a:t>
+              <a:t>2021-09-14</a:t>
             </a:fld>
             <a:endParaRPr lang="ko-KR" altLang="en-US"/>
           </a:p>
@@ -2346,7 +2346,7 @@
           <a:p>
             <a:fld id="{607D3513-3EC7-420F-BBC2-676E31E5A7A1}" type="datetimeFigureOut">
               <a:rPr lang="ko-KR" altLang="en-US" smtClean="0"/>
-              <a:t>2021-09-01</a:t>
+              <a:t>2021-09-14</a:t>
             </a:fld>
             <a:endParaRPr lang="ko-KR" altLang="en-US"/>
           </a:p>
@@ -2557,7 +2557,7 @@
           <a:p>
             <a:fld id="{607D3513-3EC7-420F-BBC2-676E31E5A7A1}" type="datetimeFigureOut">
               <a:rPr lang="ko-KR" altLang="en-US" smtClean="0"/>
-              <a:t>2021-09-01</a:t>
+              <a:t>2021-09-14</a:t>
             </a:fld>
             <a:endParaRPr lang="ko-KR" altLang="en-US"/>
           </a:p>
@@ -3036,919 +3036,6 @@
       </p:grpSpPr>
       <p:sp>
         <p:nvSpPr>
-          <p:cNvPr id="32" name="직사각형 31"/>
-          <p:cNvSpPr/>
-          <p:nvPr/>
-        </p:nvSpPr>
-        <p:spPr>
-          <a:xfrm>
-            <a:off x="4923756" y="1346200"/>
-            <a:ext cx="3209017" cy="4123765"/>
-          </a:xfrm>
-          <a:prstGeom prst="rect">
-            <a:avLst/>
-          </a:prstGeom>
-          <a:solidFill>
-            <a:srgbClr val="FF6699">
-              <a:alpha val="19000"/>
-            </a:srgbClr>
-          </a:solidFill>
-          <a:ln>
-            <a:noFill/>
-          </a:ln>
-        </p:spPr>
-        <p:style>
-          <a:lnRef idx="2">
-            <a:schemeClr val="accent1">
-              <a:shade val="50000"/>
-            </a:schemeClr>
-          </a:lnRef>
-          <a:fillRef idx="1">
-            <a:schemeClr val="accent1"/>
-          </a:fillRef>
-          <a:effectRef idx="0">
-            <a:schemeClr val="accent1"/>
-          </a:effectRef>
-          <a:fontRef idx="minor">
-            <a:schemeClr val="lt1"/>
-          </a:fontRef>
-        </p:style>
-        <p:txBody>
-          <a:bodyPr rtlCol="0" anchor="ctr"/>
-          <a:lstStyle/>
-          <a:p>
-            <a:pPr algn="ctr"/>
-            <a:endParaRPr lang="ko-KR" altLang="en-US"/>
-          </a:p>
-        </p:txBody>
-      </p:sp>
-      <p:grpSp>
-        <p:nvGrpSpPr>
-          <p:cNvPr id="4" name="그룹 3"/>
-          <p:cNvGrpSpPr/>
-          <p:nvPr/>
-        </p:nvGrpSpPr>
-        <p:grpSpPr>
-          <a:xfrm>
-            <a:off x="966512" y="1815960"/>
-            <a:ext cx="2543461" cy="1461602"/>
-            <a:chOff x="354616" y="290998"/>
-            <a:chExt cx="2543461" cy="1461602"/>
-          </a:xfrm>
-        </p:grpSpPr>
-        <p:pic>
-          <p:nvPicPr>
-            <p:cNvPr id="2" name="그림 1"/>
-            <p:cNvPicPr>
-              <a:picLocks noChangeAspect="1"/>
-            </p:cNvPicPr>
-            <p:nvPr/>
-          </p:nvPicPr>
-          <p:blipFill rotWithShape="1">
-            <a:blip r:embed="rId2" cstate="print">
-              <a:extLst>
-                <a:ext uri="{28A0092B-C50C-407E-A947-70E740481C1C}">
-                  <a14:useLocalDpi xmlns:a14="http://schemas.microsoft.com/office/drawing/2010/main" val="0"/>
-                </a:ext>
-              </a:extLst>
-            </a:blip>
-            <a:srcRect l="8999" t="4445" r="8800" b="12592"/>
-            <a:stretch/>
-          </p:blipFill>
-          <p:spPr>
-            <a:xfrm>
-              <a:off x="354616" y="290998"/>
-              <a:ext cx="1340889" cy="1461602"/>
-            </a:xfrm>
-            <a:prstGeom prst="rect">
-              <a:avLst/>
-            </a:prstGeom>
-          </p:spPr>
-        </p:pic>
-        <p:sp>
-          <p:nvSpPr>
-            <p:cNvPr id="3" name="직사각형 2"/>
-            <p:cNvSpPr/>
-            <p:nvPr/>
-          </p:nvSpPr>
-          <p:spPr>
-            <a:xfrm>
-              <a:off x="2025722" y="544998"/>
-              <a:ext cx="872355" cy="369332"/>
-            </a:xfrm>
-            <a:prstGeom prst="rect">
-              <a:avLst/>
-            </a:prstGeom>
-          </p:spPr>
-          <p:txBody>
-            <a:bodyPr wrap="none">
-              <a:spAutoFit/>
-            </a:bodyPr>
-            <a:lstStyle/>
-            <a:p>
-              <a:pPr algn="r"/>
-              <a:r>
-                <a:rPr lang="en-US" altLang="ko-KR" dirty="0">
-                  <a:solidFill>
-                    <a:srgbClr val="00B0F0"/>
-                  </a:solidFill>
-                  <a:latin typeface="Artifakt Element" panose="020B0503050000020004" pitchFamily="34" charset="0"/>
-                  <a:ea typeface="Artifakt Element" panose="020B0503050000020004" pitchFamily="34" charset="0"/>
-                </a:rPr>
-                <a:t>WBS 1</a:t>
-              </a:r>
-            </a:p>
-          </p:txBody>
-        </p:sp>
-      </p:grpSp>
-      <p:grpSp>
-        <p:nvGrpSpPr>
-          <p:cNvPr id="5" name="그룹 4"/>
-          <p:cNvGrpSpPr/>
-          <p:nvPr/>
-        </p:nvGrpSpPr>
-        <p:grpSpPr>
-          <a:xfrm>
-            <a:off x="966512" y="3277562"/>
-            <a:ext cx="2543461" cy="1461602"/>
-            <a:chOff x="354616" y="290998"/>
-            <a:chExt cx="2543461" cy="1461602"/>
-          </a:xfrm>
-        </p:grpSpPr>
-        <p:pic>
-          <p:nvPicPr>
-            <p:cNvPr id="6" name="그림 5"/>
-            <p:cNvPicPr>
-              <a:picLocks noChangeAspect="1"/>
-            </p:cNvPicPr>
-            <p:nvPr/>
-          </p:nvPicPr>
-          <p:blipFill rotWithShape="1">
-            <a:blip r:embed="rId2" cstate="print">
-              <a:extLst>
-                <a:ext uri="{28A0092B-C50C-407E-A947-70E740481C1C}">
-                  <a14:useLocalDpi xmlns:a14="http://schemas.microsoft.com/office/drawing/2010/main" val="0"/>
-                </a:ext>
-              </a:extLst>
-            </a:blip>
-            <a:srcRect l="8999" t="4445" r="8800" b="12592"/>
-            <a:stretch/>
-          </p:blipFill>
-          <p:spPr>
-            <a:xfrm>
-              <a:off x="354616" y="290998"/>
-              <a:ext cx="1340889" cy="1461602"/>
-            </a:xfrm>
-            <a:prstGeom prst="rect">
-              <a:avLst/>
-            </a:prstGeom>
-          </p:spPr>
-        </p:pic>
-        <p:sp>
-          <p:nvSpPr>
-            <p:cNvPr id="7" name="직사각형 6"/>
-            <p:cNvSpPr/>
-            <p:nvPr/>
-          </p:nvSpPr>
-          <p:spPr>
-            <a:xfrm>
-              <a:off x="2025722" y="544998"/>
-              <a:ext cx="872355" cy="369332"/>
-            </a:xfrm>
-            <a:prstGeom prst="rect">
-              <a:avLst/>
-            </a:prstGeom>
-          </p:spPr>
-          <p:txBody>
-            <a:bodyPr wrap="none">
-              <a:spAutoFit/>
-            </a:bodyPr>
-            <a:lstStyle/>
-            <a:p>
-              <a:pPr algn="r"/>
-              <a:r>
-                <a:rPr lang="en-US" altLang="ko-KR" dirty="0">
-                  <a:solidFill>
-                    <a:srgbClr val="00B0F0"/>
-                  </a:solidFill>
-                  <a:latin typeface="Artifakt Element" panose="020B0503050000020004" pitchFamily="34" charset="0"/>
-                  <a:ea typeface="Artifakt Element" panose="020B0503050000020004" pitchFamily="34" charset="0"/>
-                </a:rPr>
-                <a:t>WBS 2</a:t>
-              </a:r>
-            </a:p>
-          </p:txBody>
-        </p:sp>
-      </p:grpSp>
-      <p:grpSp>
-        <p:nvGrpSpPr>
-          <p:cNvPr id="8" name="그룹 7"/>
-          <p:cNvGrpSpPr/>
-          <p:nvPr/>
-        </p:nvGrpSpPr>
-        <p:grpSpPr>
-          <a:xfrm>
-            <a:off x="966512" y="4739164"/>
-            <a:ext cx="2543461" cy="1461602"/>
-            <a:chOff x="354616" y="290998"/>
-            <a:chExt cx="2543461" cy="1461602"/>
-          </a:xfrm>
-        </p:grpSpPr>
-        <p:pic>
-          <p:nvPicPr>
-            <p:cNvPr id="9" name="그림 8"/>
-            <p:cNvPicPr>
-              <a:picLocks noChangeAspect="1"/>
-            </p:cNvPicPr>
-            <p:nvPr/>
-          </p:nvPicPr>
-          <p:blipFill rotWithShape="1">
-            <a:blip r:embed="rId2" cstate="print">
-              <a:extLst>
-                <a:ext uri="{28A0092B-C50C-407E-A947-70E740481C1C}">
-                  <a14:useLocalDpi xmlns:a14="http://schemas.microsoft.com/office/drawing/2010/main" val="0"/>
-                </a:ext>
-              </a:extLst>
-            </a:blip>
-            <a:srcRect l="8999" t="4445" r="8800" b="12592"/>
-            <a:stretch/>
-          </p:blipFill>
-          <p:spPr>
-            <a:xfrm>
-              <a:off x="354616" y="290998"/>
-              <a:ext cx="1340889" cy="1461602"/>
-            </a:xfrm>
-            <a:prstGeom prst="rect">
-              <a:avLst/>
-            </a:prstGeom>
-          </p:spPr>
-        </p:pic>
-        <p:sp>
-          <p:nvSpPr>
-            <p:cNvPr id="10" name="직사각형 9"/>
-            <p:cNvSpPr/>
-            <p:nvPr/>
-          </p:nvSpPr>
-          <p:spPr>
-            <a:xfrm>
-              <a:off x="2025722" y="544998"/>
-              <a:ext cx="872355" cy="369332"/>
-            </a:xfrm>
-            <a:prstGeom prst="rect">
-              <a:avLst/>
-            </a:prstGeom>
-          </p:spPr>
-          <p:txBody>
-            <a:bodyPr wrap="none">
-              <a:spAutoFit/>
-            </a:bodyPr>
-            <a:lstStyle/>
-            <a:p>
-              <a:pPr algn="r"/>
-              <a:r>
-                <a:rPr lang="en-US" altLang="ko-KR" dirty="0">
-                  <a:solidFill>
-                    <a:srgbClr val="00B0F0"/>
-                  </a:solidFill>
-                  <a:latin typeface="Artifakt Element" panose="020B0503050000020004" pitchFamily="34" charset="0"/>
-                  <a:ea typeface="Artifakt Element" panose="020B0503050000020004" pitchFamily="34" charset="0"/>
-                </a:rPr>
-                <a:t>WBS 3</a:t>
-              </a:r>
-            </a:p>
-          </p:txBody>
-        </p:sp>
-      </p:grpSp>
-      <p:sp>
-        <p:nvSpPr>
-          <p:cNvPr id="14" name="직사각형 13"/>
-          <p:cNvSpPr/>
-          <p:nvPr/>
-        </p:nvSpPr>
-        <p:spPr>
-          <a:xfrm>
-            <a:off x="4949018" y="2069960"/>
-            <a:ext cx="872355" cy="369332"/>
-          </a:xfrm>
-          <a:prstGeom prst="rect">
-            <a:avLst/>
-          </a:prstGeom>
-        </p:spPr>
-        <p:txBody>
-          <a:bodyPr wrap="none">
-            <a:spAutoFit/>
-          </a:bodyPr>
-          <a:lstStyle/>
-          <a:p>
-            <a:pPr algn="r"/>
-            <a:r>
-              <a:rPr lang="en-US" altLang="ko-KR" dirty="0">
-                <a:solidFill>
-                  <a:srgbClr val="FF0000"/>
-                </a:solidFill>
-                <a:latin typeface="Artifakt Element" panose="020B0503050000020004" pitchFamily="34" charset="0"/>
-                <a:ea typeface="Artifakt Element" panose="020B0503050000020004" pitchFamily="34" charset="0"/>
-              </a:rPr>
-              <a:t>WBS 4</a:t>
-            </a:r>
-          </a:p>
-        </p:txBody>
-      </p:sp>
-      <p:sp>
-        <p:nvSpPr>
-          <p:cNvPr id="15" name="TextBox 14"/>
-          <p:cNvSpPr txBox="1"/>
-          <p:nvPr/>
-        </p:nvSpPr>
-        <p:spPr>
-          <a:xfrm>
-            <a:off x="893618" y="727364"/>
-            <a:ext cx="2571538" cy="369332"/>
-          </a:xfrm>
-          <a:prstGeom prst="rect">
-            <a:avLst/>
-          </a:prstGeom>
-          <a:noFill/>
-        </p:spPr>
-        <p:txBody>
-          <a:bodyPr wrap="none" rtlCol="0">
-            <a:spAutoFit/>
-          </a:bodyPr>
-          <a:lstStyle/>
-          <a:p>
-            <a:r>
-              <a:rPr lang="en-US" altLang="ko-KR" dirty="0">
-                <a:latin typeface="Artifakt Element" panose="020B0503050000020004" pitchFamily="34" charset="0"/>
-                <a:ea typeface="Artifakt Element" panose="020B0503050000020004" pitchFamily="34" charset="0"/>
-              </a:rPr>
-              <a:t>&lt;in ENTIRE PROJECT&gt;</a:t>
-            </a:r>
-            <a:endParaRPr lang="ko-KR" altLang="en-US" dirty="0">
-              <a:latin typeface="Artifakt Element" panose="020B0503050000020004" pitchFamily="34" charset="0"/>
-            </a:endParaRPr>
-          </a:p>
-        </p:txBody>
-      </p:sp>
-      <p:sp>
-        <p:nvSpPr>
-          <p:cNvPr id="16" name="직사각형 15"/>
-          <p:cNvSpPr/>
-          <p:nvPr/>
-        </p:nvSpPr>
-        <p:spPr>
-          <a:xfrm>
-            <a:off x="4949018" y="3532454"/>
-            <a:ext cx="872355" cy="369332"/>
-          </a:xfrm>
-          <a:prstGeom prst="rect">
-            <a:avLst/>
-          </a:prstGeom>
-        </p:spPr>
-        <p:txBody>
-          <a:bodyPr wrap="none">
-            <a:spAutoFit/>
-          </a:bodyPr>
-          <a:lstStyle/>
-          <a:p>
-            <a:pPr algn="r"/>
-            <a:r>
-              <a:rPr lang="en-US" altLang="ko-KR" dirty="0">
-                <a:solidFill>
-                  <a:srgbClr val="FF0000"/>
-                </a:solidFill>
-                <a:latin typeface="Artifakt Element" panose="020B0503050000020004" pitchFamily="34" charset="0"/>
-                <a:ea typeface="Artifakt Element" panose="020B0503050000020004" pitchFamily="34" charset="0"/>
-              </a:rPr>
-              <a:t>WBS 5</a:t>
-            </a:r>
-          </a:p>
-        </p:txBody>
-      </p:sp>
-      <p:sp>
-        <p:nvSpPr>
-          <p:cNvPr id="17" name="직사각형 16"/>
-          <p:cNvSpPr/>
-          <p:nvPr/>
-        </p:nvSpPr>
-        <p:spPr>
-          <a:xfrm>
-            <a:off x="4949018" y="4993164"/>
-            <a:ext cx="872355" cy="369332"/>
-          </a:xfrm>
-          <a:prstGeom prst="rect">
-            <a:avLst/>
-          </a:prstGeom>
-        </p:spPr>
-        <p:txBody>
-          <a:bodyPr wrap="none">
-            <a:spAutoFit/>
-          </a:bodyPr>
-          <a:lstStyle/>
-          <a:p>
-            <a:pPr algn="r"/>
-            <a:r>
-              <a:rPr lang="en-US" altLang="ko-KR" dirty="0">
-                <a:solidFill>
-                  <a:srgbClr val="FF0000"/>
-                </a:solidFill>
-                <a:latin typeface="Artifakt Element" panose="020B0503050000020004" pitchFamily="34" charset="0"/>
-                <a:ea typeface="Artifakt Element" panose="020B0503050000020004" pitchFamily="34" charset="0"/>
-              </a:rPr>
-              <a:t>WBS 6</a:t>
-            </a:r>
-          </a:p>
-        </p:txBody>
-      </p:sp>
-      <p:sp>
-        <p:nvSpPr>
-          <p:cNvPr id="21" name="직사각형 20"/>
-          <p:cNvSpPr/>
-          <p:nvPr/>
-        </p:nvSpPr>
-        <p:spPr>
-          <a:xfrm>
-            <a:off x="7260418" y="2069960"/>
-            <a:ext cx="872355" cy="369332"/>
-          </a:xfrm>
-          <a:prstGeom prst="rect">
-            <a:avLst/>
-          </a:prstGeom>
-        </p:spPr>
-        <p:txBody>
-          <a:bodyPr wrap="none">
-            <a:spAutoFit/>
-          </a:bodyPr>
-          <a:lstStyle/>
-          <a:p>
-            <a:pPr algn="r"/>
-            <a:r>
-              <a:rPr lang="en-US" altLang="ko-KR" dirty="0">
-                <a:solidFill>
-                  <a:srgbClr val="FF0000"/>
-                </a:solidFill>
-                <a:latin typeface="Artifakt Element" panose="020B0503050000020004" pitchFamily="34" charset="0"/>
-                <a:ea typeface="Artifakt Element" panose="020B0503050000020004" pitchFamily="34" charset="0"/>
-              </a:rPr>
-              <a:t>WBS 7</a:t>
-            </a:r>
-          </a:p>
-        </p:txBody>
-      </p:sp>
-      <p:sp>
-        <p:nvSpPr>
-          <p:cNvPr id="22" name="직사각형 21"/>
-          <p:cNvSpPr/>
-          <p:nvPr/>
-        </p:nvSpPr>
-        <p:spPr>
-          <a:xfrm>
-            <a:off x="7260418" y="3532454"/>
-            <a:ext cx="872355" cy="369332"/>
-          </a:xfrm>
-          <a:prstGeom prst="rect">
-            <a:avLst/>
-          </a:prstGeom>
-        </p:spPr>
-        <p:txBody>
-          <a:bodyPr wrap="none">
-            <a:spAutoFit/>
-          </a:bodyPr>
-          <a:lstStyle/>
-          <a:p>
-            <a:pPr algn="r"/>
-            <a:r>
-              <a:rPr lang="en-US" altLang="ko-KR" dirty="0">
-                <a:solidFill>
-                  <a:srgbClr val="FF0000"/>
-                </a:solidFill>
-                <a:latin typeface="Artifakt Element" panose="020B0503050000020004" pitchFamily="34" charset="0"/>
-                <a:ea typeface="Artifakt Element" panose="020B0503050000020004" pitchFamily="34" charset="0"/>
-              </a:rPr>
-              <a:t>WBS 8</a:t>
-            </a:r>
-          </a:p>
-        </p:txBody>
-      </p:sp>
-      <p:sp>
-        <p:nvSpPr>
-          <p:cNvPr id="23" name="직사각형 22"/>
-          <p:cNvSpPr/>
-          <p:nvPr/>
-        </p:nvSpPr>
-        <p:spPr>
-          <a:xfrm>
-            <a:off x="7260418" y="4993164"/>
-            <a:ext cx="872355" cy="369332"/>
-          </a:xfrm>
-          <a:prstGeom prst="rect">
-            <a:avLst/>
-          </a:prstGeom>
-        </p:spPr>
-        <p:txBody>
-          <a:bodyPr wrap="none">
-            <a:spAutoFit/>
-          </a:bodyPr>
-          <a:lstStyle/>
-          <a:p>
-            <a:pPr algn="r"/>
-            <a:r>
-              <a:rPr lang="en-US" altLang="ko-KR" dirty="0">
-                <a:solidFill>
-                  <a:srgbClr val="FF0000"/>
-                </a:solidFill>
-                <a:latin typeface="Artifakt Element" panose="020B0503050000020004" pitchFamily="34" charset="0"/>
-                <a:ea typeface="Artifakt Element" panose="020B0503050000020004" pitchFamily="34" charset="0"/>
-              </a:rPr>
-              <a:t>WBS 9</a:t>
-            </a:r>
-          </a:p>
-        </p:txBody>
-      </p:sp>
-      <p:sp>
-        <p:nvSpPr>
-          <p:cNvPr id="24" name="모서리가 둥근 직사각형 23"/>
-          <p:cNvSpPr/>
-          <p:nvPr/>
-        </p:nvSpPr>
-        <p:spPr>
-          <a:xfrm>
-            <a:off x="893618" y="1815960"/>
-            <a:ext cx="2616355" cy="1461602"/>
-          </a:xfrm>
-          <a:prstGeom prst="roundRect">
-            <a:avLst/>
-          </a:prstGeom>
-          <a:noFill/>
-          <a:ln w="31750">
-            <a:solidFill>
-              <a:schemeClr val="tx1">
-                <a:alpha val="56000"/>
-              </a:schemeClr>
-            </a:solidFill>
-            <a:prstDash val="dash"/>
-          </a:ln>
-        </p:spPr>
-        <p:style>
-          <a:lnRef idx="2">
-            <a:schemeClr val="accent1">
-              <a:shade val="50000"/>
-            </a:schemeClr>
-          </a:lnRef>
-          <a:fillRef idx="1">
-            <a:schemeClr val="accent1"/>
-          </a:fillRef>
-          <a:effectRef idx="0">
-            <a:schemeClr val="accent1"/>
-          </a:effectRef>
-          <a:fontRef idx="minor">
-            <a:schemeClr val="lt1"/>
-          </a:fontRef>
-        </p:style>
-        <p:txBody>
-          <a:bodyPr rtlCol="0" anchor="ctr"/>
-          <a:lstStyle/>
-          <a:p>
-            <a:pPr algn="ctr"/>
-            <a:endParaRPr lang="ko-KR" altLang="en-US">
-              <a:latin typeface="Artifakt Element" panose="020B0503050000020004" pitchFamily="34" charset="0"/>
-            </a:endParaRPr>
-          </a:p>
-        </p:txBody>
-      </p:sp>
-      <p:sp>
-        <p:nvSpPr>
-          <p:cNvPr id="25" name="모서리가 둥근 직사각형 24"/>
-          <p:cNvSpPr/>
-          <p:nvPr/>
-        </p:nvSpPr>
-        <p:spPr>
-          <a:xfrm>
-            <a:off x="893618" y="3277562"/>
-            <a:ext cx="2616355" cy="1461602"/>
-          </a:xfrm>
-          <a:prstGeom prst="roundRect">
-            <a:avLst/>
-          </a:prstGeom>
-          <a:noFill/>
-          <a:ln w="31750">
-            <a:solidFill>
-              <a:schemeClr val="tx1">
-                <a:alpha val="56000"/>
-              </a:schemeClr>
-            </a:solidFill>
-            <a:prstDash val="dash"/>
-          </a:ln>
-        </p:spPr>
-        <p:style>
-          <a:lnRef idx="2">
-            <a:schemeClr val="accent1">
-              <a:shade val="50000"/>
-            </a:schemeClr>
-          </a:lnRef>
-          <a:fillRef idx="1">
-            <a:schemeClr val="accent1"/>
-          </a:fillRef>
-          <a:effectRef idx="0">
-            <a:schemeClr val="accent1"/>
-          </a:effectRef>
-          <a:fontRef idx="minor">
-            <a:schemeClr val="lt1"/>
-          </a:fontRef>
-        </p:style>
-        <p:txBody>
-          <a:bodyPr rtlCol="0" anchor="ctr"/>
-          <a:lstStyle/>
-          <a:p>
-            <a:pPr algn="ctr"/>
-            <a:endParaRPr lang="ko-KR" altLang="en-US">
-              <a:latin typeface="Artifakt Element" panose="020B0503050000020004" pitchFamily="34" charset="0"/>
-            </a:endParaRPr>
-          </a:p>
-        </p:txBody>
-      </p:sp>
-      <p:sp>
-        <p:nvSpPr>
-          <p:cNvPr id="26" name="모서리가 둥근 직사각형 25"/>
-          <p:cNvSpPr/>
-          <p:nvPr/>
-        </p:nvSpPr>
-        <p:spPr>
-          <a:xfrm>
-            <a:off x="893618" y="4739164"/>
-            <a:ext cx="2616355" cy="1461602"/>
-          </a:xfrm>
-          <a:prstGeom prst="roundRect">
-            <a:avLst/>
-          </a:prstGeom>
-          <a:noFill/>
-          <a:ln w="31750">
-            <a:solidFill>
-              <a:schemeClr val="tx1">
-                <a:alpha val="56000"/>
-              </a:schemeClr>
-            </a:solidFill>
-            <a:prstDash val="dash"/>
-          </a:ln>
-        </p:spPr>
-        <p:style>
-          <a:lnRef idx="2">
-            <a:schemeClr val="accent1">
-              <a:shade val="50000"/>
-            </a:schemeClr>
-          </a:lnRef>
-          <a:fillRef idx="1">
-            <a:schemeClr val="accent1"/>
-          </a:fillRef>
-          <a:effectRef idx="0">
-            <a:schemeClr val="accent1"/>
-          </a:effectRef>
-          <a:fontRef idx="minor">
-            <a:schemeClr val="lt1"/>
-          </a:fontRef>
-        </p:style>
-        <p:txBody>
-          <a:bodyPr rtlCol="0" anchor="ctr"/>
-          <a:lstStyle/>
-          <a:p>
-            <a:pPr algn="ctr"/>
-            <a:endParaRPr lang="ko-KR" altLang="en-US">
-              <a:latin typeface="Artifakt Element" panose="020B0503050000020004" pitchFamily="34" charset="0"/>
-            </a:endParaRPr>
-          </a:p>
-        </p:txBody>
-      </p:sp>
-      <p:sp>
-        <p:nvSpPr>
-          <p:cNvPr id="31" name="직사각형 30"/>
-          <p:cNvSpPr/>
-          <p:nvPr/>
-        </p:nvSpPr>
-        <p:spPr>
-          <a:xfrm>
-            <a:off x="2745496" y="1346200"/>
-            <a:ext cx="660400" cy="4123765"/>
-          </a:xfrm>
-          <a:prstGeom prst="rect">
-            <a:avLst/>
-          </a:prstGeom>
-          <a:solidFill>
-            <a:srgbClr val="92D050">
-              <a:alpha val="19000"/>
-            </a:srgbClr>
-          </a:solidFill>
-          <a:ln>
-            <a:noFill/>
-          </a:ln>
-        </p:spPr>
-        <p:style>
-          <a:lnRef idx="2">
-            <a:schemeClr val="accent1">
-              <a:shade val="50000"/>
-            </a:schemeClr>
-          </a:lnRef>
-          <a:fillRef idx="1">
-            <a:schemeClr val="accent1"/>
-          </a:fillRef>
-          <a:effectRef idx="0">
-            <a:schemeClr val="accent1"/>
-          </a:effectRef>
-          <a:fontRef idx="minor">
-            <a:schemeClr val="lt1"/>
-          </a:fontRef>
-        </p:style>
-        <p:txBody>
-          <a:bodyPr rtlCol="0" anchor="ctr"/>
-          <a:lstStyle/>
-          <a:p>
-            <a:pPr algn="ctr"/>
-            <a:endParaRPr lang="ko-KR" altLang="en-US"/>
-          </a:p>
-        </p:txBody>
-      </p:sp>
-      <p:sp>
-        <p:nvSpPr>
-          <p:cNvPr id="33" name="TextBox 32"/>
-          <p:cNvSpPr txBox="1"/>
-          <p:nvPr/>
-        </p:nvSpPr>
-        <p:spPr>
-          <a:xfrm>
-            <a:off x="4923756" y="1226097"/>
-            <a:ext cx="1760418" cy="276999"/>
-          </a:xfrm>
-          <a:prstGeom prst="rect">
-            <a:avLst/>
-          </a:prstGeom>
-          <a:noFill/>
-        </p:spPr>
-        <p:txBody>
-          <a:bodyPr wrap="none" rtlCol="0">
-            <a:spAutoFit/>
-          </a:bodyPr>
-          <a:lstStyle/>
-          <a:p>
-            <a:r>
-              <a:rPr lang="en-US" altLang="ko-KR" sz="1200" dirty="0">
-                <a:solidFill>
-                  <a:srgbClr val="FF0000"/>
-                </a:solidFill>
-                <a:latin typeface="Artifakt Element" panose="020B0503050000020004" pitchFamily="34" charset="0"/>
-                <a:ea typeface="Artifakt Element" panose="020B0503050000020004" pitchFamily="34" charset="0"/>
-              </a:rPr>
-              <a:t>UNBINDED WBS INFO</a:t>
-            </a:r>
-            <a:endParaRPr lang="ko-KR" altLang="en-US" sz="1200" dirty="0">
-              <a:solidFill>
-                <a:srgbClr val="FF0000"/>
-              </a:solidFill>
-              <a:latin typeface="Artifakt Element" panose="020B0503050000020004" pitchFamily="34" charset="0"/>
-            </a:endParaRPr>
-          </a:p>
-        </p:txBody>
-      </p:sp>
-      <p:sp>
-        <p:nvSpPr>
-          <p:cNvPr id="34" name="TextBox 33"/>
-          <p:cNvSpPr txBox="1"/>
-          <p:nvPr/>
-        </p:nvSpPr>
-        <p:spPr>
-          <a:xfrm>
-            <a:off x="2745496" y="1226097"/>
-            <a:ext cx="1537600" cy="276999"/>
-          </a:xfrm>
-          <a:prstGeom prst="rect">
-            <a:avLst/>
-          </a:prstGeom>
-          <a:noFill/>
-        </p:spPr>
-        <p:txBody>
-          <a:bodyPr wrap="none" rtlCol="0">
-            <a:spAutoFit/>
-          </a:bodyPr>
-          <a:lstStyle/>
-          <a:p>
-            <a:r>
-              <a:rPr lang="en-US" altLang="ko-KR" sz="1200" dirty="0">
-                <a:solidFill>
-                  <a:srgbClr val="00B0F0"/>
-                </a:solidFill>
-                <a:latin typeface="Artifakt Element" panose="020B0503050000020004" pitchFamily="34" charset="0"/>
-                <a:ea typeface="Artifakt Element" panose="020B0503050000020004" pitchFamily="34" charset="0"/>
-              </a:rPr>
-              <a:t>BINDED WBS INFO</a:t>
-            </a:r>
-            <a:endParaRPr lang="ko-KR" altLang="en-US" sz="1200" dirty="0">
-              <a:solidFill>
-                <a:srgbClr val="00B0F0"/>
-              </a:solidFill>
-              <a:latin typeface="Artifakt Element" panose="020B0503050000020004" pitchFamily="34" charset="0"/>
-            </a:endParaRPr>
-          </a:p>
-        </p:txBody>
-      </p:sp>
-      <p:sp>
-        <p:nvSpPr>
-          <p:cNvPr id="35" name="TextBox 34"/>
-          <p:cNvSpPr txBox="1"/>
-          <p:nvPr/>
-        </p:nvSpPr>
-        <p:spPr>
-          <a:xfrm>
-            <a:off x="1168091" y="1226097"/>
-            <a:ext cx="1257075" cy="276999"/>
-          </a:xfrm>
-          <a:prstGeom prst="rect">
-            <a:avLst/>
-          </a:prstGeom>
-          <a:noFill/>
-        </p:spPr>
-        <p:txBody>
-          <a:bodyPr wrap="none" rtlCol="0">
-            <a:spAutoFit/>
-          </a:bodyPr>
-          <a:lstStyle/>
-          <a:p>
-            <a:r>
-              <a:rPr lang="en-US" altLang="ko-KR" sz="1200" dirty="0">
-                <a:latin typeface="Artifakt Element" panose="020B0503050000020004" pitchFamily="34" charset="0"/>
-                <a:ea typeface="Artifakt Element" panose="020B0503050000020004" pitchFamily="34" charset="0"/>
-              </a:rPr>
-              <a:t>TOTAL WBS  =  </a:t>
-            </a:r>
-            <a:endParaRPr lang="ko-KR" altLang="en-US" sz="1200" dirty="0">
-              <a:latin typeface="Artifakt Element" panose="020B0503050000020004" pitchFamily="34" charset="0"/>
-            </a:endParaRPr>
-          </a:p>
-        </p:txBody>
-      </p:sp>
-      <p:sp>
-        <p:nvSpPr>
-          <p:cNvPr id="36" name="TextBox 35"/>
-          <p:cNvSpPr txBox="1"/>
-          <p:nvPr/>
-        </p:nvSpPr>
-        <p:spPr>
-          <a:xfrm>
-            <a:off x="4421354" y="1226097"/>
-            <a:ext cx="277640" cy="276999"/>
-          </a:xfrm>
-          <a:prstGeom prst="rect">
-            <a:avLst/>
-          </a:prstGeom>
-          <a:noFill/>
-        </p:spPr>
-        <p:txBody>
-          <a:bodyPr wrap="none" rtlCol="0">
-            <a:spAutoFit/>
-          </a:bodyPr>
-          <a:lstStyle/>
-          <a:p>
-            <a:r>
-              <a:rPr lang="en-US" altLang="ko-KR" sz="1200" dirty="0">
-                <a:latin typeface="Artifakt Element" panose="020B0503050000020004" pitchFamily="34" charset="0"/>
-                <a:ea typeface="Artifakt Element" panose="020B0503050000020004" pitchFamily="34" charset="0"/>
-              </a:rPr>
-              <a:t>+</a:t>
-            </a:r>
-            <a:endParaRPr lang="ko-KR" altLang="en-US" sz="1200" dirty="0">
-              <a:latin typeface="Artifakt Element" panose="020B0503050000020004" pitchFamily="34" charset="0"/>
-            </a:endParaRPr>
-          </a:p>
-        </p:txBody>
-      </p:sp>
-    </p:spTree>
-    <p:extLst>
-      <p:ext uri="{BB962C8B-B14F-4D97-AF65-F5344CB8AC3E}">
-        <p14:creationId xmlns:p14="http://schemas.microsoft.com/office/powerpoint/2010/main" val="2525410757"/>
-      </p:ext>
-    </p:extLst>
-  </p:cSld>
-  <p:clrMapOvr>
-    <a:masterClrMapping/>
-  </p:clrMapOvr>
-</p:sld>
-</file>
-
-<file path=ppt/slides/slide11.xml><?xml version="1.0" encoding="utf-8"?>
-<p:sld xmlns:a="http://schemas.openxmlformats.org/drawingml/2006/main" xmlns:r="http://schemas.openxmlformats.org/officeDocument/2006/relationships" xmlns:p="http://schemas.openxmlformats.org/presentationml/2006/main">
-  <p:cSld>
-    <p:spTree>
-      <p:nvGrpSpPr>
-        <p:cNvPr id="1" name=""/>
-        <p:cNvGrpSpPr/>
-        <p:nvPr/>
-      </p:nvGrpSpPr>
-      <p:grpSpPr>
-        <a:xfrm>
-          <a:off x="0" y="0"/>
-          <a:ext cx="0" cy="0"/>
-          <a:chOff x="0" y="0"/>
-          <a:chExt cx="0" cy="0"/>
-        </a:xfrm>
-      </p:grpSpPr>
-      <p:sp>
-        <p:nvSpPr>
           <p:cNvPr id="31" name="직사각형 30"/>
           <p:cNvSpPr/>
           <p:nvPr/>
@@ -5267,7 +4354,7 @@
 </p:sld>
 </file>
 
-<file path=ppt/slides/slide12.xml><?xml version="1.0" encoding="utf-8"?>
+<file path=ppt/slides/slide11.xml><?xml version="1.0" encoding="utf-8"?>
 <p:sld xmlns:a="http://schemas.openxmlformats.org/drawingml/2006/main" xmlns:r="http://schemas.openxmlformats.org/officeDocument/2006/relationships" xmlns:p="http://schemas.openxmlformats.org/presentationml/2006/main">
   <p:cSld>
     <p:spTree>
@@ -5292,7 +4379,7 @@
         </p:nvSpPr>
         <p:spPr>
           <a:xfrm>
-            <a:off x="2745496" y="2481873"/>
+            <a:off x="2990569" y="2481873"/>
             <a:ext cx="1537600" cy="276999"/>
           </a:xfrm>
           <a:prstGeom prst="rect">
@@ -5333,7 +4420,7 @@
         </p:nvSpPr>
         <p:spPr>
           <a:xfrm>
-            <a:off x="1168091" y="2481873"/>
+            <a:off x="1413164" y="2481873"/>
             <a:ext cx="1257075" cy="276999"/>
           </a:xfrm>
           <a:prstGeom prst="rect">
@@ -5368,7 +4455,7 @@
         </p:nvSpPr>
         <p:spPr>
           <a:xfrm>
-            <a:off x="4923756" y="2481873"/>
+            <a:off x="5168829" y="2481873"/>
             <a:ext cx="1760418" cy="276999"/>
           </a:xfrm>
           <a:prstGeom prst="rect">
@@ -5413,7 +4500,7 @@
         </p:nvSpPr>
         <p:spPr>
           <a:xfrm>
-            <a:off x="4421354" y="2481873"/>
+            <a:off x="4666427" y="2481873"/>
             <a:ext cx="277640" cy="276999"/>
           </a:xfrm>
           <a:prstGeom prst="rect">
@@ -5452,48 +4539,13 @@
       </p:sp>
       <p:sp>
         <p:nvSpPr>
-          <p:cNvPr id="8" name="TextBox 7"/>
-          <p:cNvSpPr txBox="1"/>
-          <p:nvPr/>
-        </p:nvSpPr>
-        <p:spPr>
-          <a:xfrm>
-            <a:off x="1168091" y="3251909"/>
-            <a:ext cx="1999265" cy="523220"/>
-          </a:xfrm>
-          <a:prstGeom prst="rect">
-            <a:avLst/>
-          </a:prstGeom>
-          <a:noFill/>
-        </p:spPr>
-        <p:txBody>
-          <a:bodyPr wrap="none" rtlCol="0">
-            <a:spAutoFit/>
-          </a:bodyPr>
-          <a:lstStyle/>
-          <a:p>
-            <a:r>
-              <a:rPr lang="en-US" altLang="ko-KR" sz="2800" dirty="0">
-                <a:latin typeface="Artifakt Element Medium" panose="020B0603050000020004" pitchFamily="34" charset="0"/>
-                <a:ea typeface="Artifakt Element Medium" panose="020B0603050000020004" pitchFamily="34" charset="0"/>
-              </a:rPr>
-              <a:t>But, How ?</a:t>
-            </a:r>
-            <a:endParaRPr lang="ko-KR" altLang="en-US" sz="2800" dirty="0">
-              <a:latin typeface="Artifakt Element Medium" panose="020B0603050000020004" pitchFamily="34" charset="0"/>
-            </a:endParaRPr>
-          </a:p>
-        </p:txBody>
-      </p:sp>
-      <p:sp>
-        <p:nvSpPr>
           <p:cNvPr id="9" name="TextBox 8"/>
           <p:cNvSpPr txBox="1"/>
           <p:nvPr/>
         </p:nvSpPr>
         <p:spPr>
           <a:xfrm>
-            <a:off x="1168091" y="1640428"/>
+            <a:off x="1413164" y="1640428"/>
             <a:ext cx="3421129" cy="523220"/>
           </a:xfrm>
           <a:prstGeom prst="rect">
@@ -5528,7 +4580,7 @@
         </p:nvSpPr>
         <p:spPr>
           <a:xfrm>
-            <a:off x="3861984" y="2163648"/>
+            <a:off x="4107057" y="2163648"/>
             <a:ext cx="1674019" cy="394130"/>
           </a:xfrm>
           <a:custGeom>
@@ -5633,10 +4685,235 @@
           </a:p>
         </p:txBody>
       </p:sp>
+      <p:sp>
+        <p:nvSpPr>
+          <p:cNvPr id="11" name="TextBox 10">
+            <a:extLst>
+              <a:ext uri="{FF2B5EF4-FFF2-40B4-BE49-F238E27FC236}">
+                <a16:creationId xmlns:a16="http://schemas.microsoft.com/office/drawing/2014/main" id="{B3F22956-8DBD-45A4-8AE3-54E0FC407EDE}"/>
+              </a:ext>
+            </a:extLst>
+          </p:cNvPr>
+          <p:cNvSpPr txBox="1"/>
+          <p:nvPr/>
+        </p:nvSpPr>
+        <p:spPr>
+          <a:xfrm>
+            <a:off x="1413164" y="3251909"/>
+            <a:ext cx="2333488" cy="523220"/>
+          </a:xfrm>
+          <a:prstGeom prst="rect">
+            <a:avLst/>
+          </a:prstGeom>
+          <a:noFill/>
+        </p:spPr>
+        <p:txBody>
+          <a:bodyPr wrap="square" rtlCol="0">
+            <a:spAutoFit/>
+          </a:bodyPr>
+          <a:lstStyle/>
+          <a:p>
+            <a:r>
+              <a:rPr lang="en-US" altLang="ko-KR" sz="2800" dirty="0">
+                <a:latin typeface="Artifakt Element Medium" panose="020B0603050000020004" pitchFamily="34" charset="0"/>
+                <a:ea typeface="Artifakt Element Medium" panose="020B0603050000020004" pitchFamily="34" charset="0"/>
+              </a:rPr>
+              <a:t>But, How ?</a:t>
+            </a:r>
+            <a:endParaRPr lang="ko-KR" altLang="en-US" sz="2800" dirty="0">
+              <a:latin typeface="Artifakt Element Medium" panose="020B0603050000020004" pitchFamily="34" charset="0"/>
+            </a:endParaRPr>
+          </a:p>
+        </p:txBody>
+      </p:sp>
     </p:spTree>
     <p:extLst>
       <p:ext uri="{BB962C8B-B14F-4D97-AF65-F5344CB8AC3E}">
         <p14:creationId xmlns:p14="http://schemas.microsoft.com/office/powerpoint/2010/main" val="1132778934"/>
+      </p:ext>
+    </p:extLst>
+  </p:cSld>
+  <p:clrMapOvr>
+    <a:masterClrMapping/>
+  </p:clrMapOvr>
+</p:sld>
+</file>
+
+<file path=ppt/slides/slide12.xml><?xml version="1.0" encoding="utf-8"?>
+<p:sld xmlns:a="http://schemas.openxmlformats.org/drawingml/2006/main" xmlns:r="http://schemas.openxmlformats.org/officeDocument/2006/relationships" xmlns:p="http://schemas.openxmlformats.org/presentationml/2006/main">
+  <p:cSld>
+    <p:spTree>
+      <p:nvGrpSpPr>
+        <p:cNvPr id="1" name=""/>
+        <p:cNvGrpSpPr/>
+        <p:nvPr/>
+      </p:nvGrpSpPr>
+      <p:grpSpPr>
+        <a:xfrm>
+          <a:off x="0" y="0"/>
+          <a:ext cx="0" cy="0"/>
+          <a:chOff x="0" y="0"/>
+          <a:chExt cx="0" cy="0"/>
+        </a:xfrm>
+      </p:grpSpPr>
+      <p:pic>
+        <p:nvPicPr>
+          <p:cNvPr id="3" name="그림 2"/>
+          <p:cNvPicPr>
+            <a:picLocks noChangeAspect="1"/>
+          </p:cNvPicPr>
+          <p:nvPr/>
+        </p:nvPicPr>
+        <p:blipFill rotWithShape="1">
+          <a:blip r:embed="rId2">
+            <a:extLst>
+              <a:ext uri="{BEBA8EAE-BF5A-486C-A8C5-ECC9F3942E4B}">
+                <a14:imgProps xmlns:a14="http://schemas.microsoft.com/office/drawing/2010/main">
+                  <a14:imgLayer r:embed="rId3">
+                    <a14:imgEffect>
+                      <a14:colorTemperature colorTemp="11200"/>
+                    </a14:imgEffect>
+                    <a14:imgEffect>
+                      <a14:saturation sat="0"/>
+                    </a14:imgEffect>
+                    <a14:imgEffect>
+                      <a14:brightnessContrast bright="-30000" contrast="44000"/>
+                    </a14:imgEffect>
+                  </a14:imgLayer>
+                </a14:imgProps>
+              </a:ext>
+            </a:extLst>
+          </a:blip>
+          <a:srcRect l="19421" r="46"/>
+          <a:stretch/>
+        </p:blipFill>
+        <p:spPr>
+          <a:xfrm>
+            <a:off x="2235769" y="0"/>
+            <a:ext cx="9956231" cy="6858000"/>
+          </a:xfrm>
+          <a:prstGeom prst="rect">
+            <a:avLst/>
+          </a:prstGeom>
+        </p:spPr>
+      </p:pic>
+      <p:sp>
+        <p:nvSpPr>
+          <p:cNvPr id="2" name="TextBox 1"/>
+          <p:cNvSpPr txBox="1"/>
+          <p:nvPr/>
+        </p:nvSpPr>
+        <p:spPr>
+          <a:xfrm>
+            <a:off x="1413164" y="3775129"/>
+            <a:ext cx="3980872" cy="523220"/>
+          </a:xfrm>
+          <a:prstGeom prst="rect">
+            <a:avLst/>
+          </a:prstGeom>
+          <a:noFill/>
+        </p:spPr>
+        <p:txBody>
+          <a:bodyPr wrap="square" rtlCol="0">
+            <a:spAutoFit/>
+          </a:bodyPr>
+          <a:lstStyle/>
+          <a:p>
+            <a:r>
+              <a:rPr lang="en-US" altLang="ko-KR" sz="2800" dirty="0">
+                <a:latin typeface="Artifakt Element Medium" panose="020B0603050000020004" pitchFamily="34" charset="0"/>
+                <a:ea typeface="Artifakt Element Medium" panose="020B0603050000020004" pitchFamily="34" charset="0"/>
+              </a:rPr>
+              <a:t>By    </a:t>
+            </a:r>
+            <a:r>
+              <a:rPr lang="en-US" altLang="ko-KR" sz="2800" dirty="0">
+                <a:solidFill>
+                  <a:schemeClr val="accent4">
+                    <a:lumMod val="40000"/>
+                    <a:lumOff val="60000"/>
+                  </a:schemeClr>
+                </a:solidFill>
+                <a:latin typeface="Artifakt Element Medium" panose="020B0603050000020004" pitchFamily="34" charset="0"/>
+                <a:ea typeface="Artifakt Element Medium" panose="020B0603050000020004" pitchFamily="34" charset="0"/>
+              </a:rPr>
+              <a:t>Dynamo in Revit</a:t>
+            </a:r>
+            <a:endParaRPr lang="ko-KR" altLang="en-US" sz="2800" dirty="0">
+              <a:solidFill>
+                <a:schemeClr val="accent4">
+                  <a:lumMod val="40000"/>
+                  <a:lumOff val="60000"/>
+                </a:schemeClr>
+              </a:solidFill>
+              <a:latin typeface="Artifakt Element Medium" panose="020B0603050000020004" pitchFamily="34" charset="0"/>
+            </a:endParaRPr>
+          </a:p>
+        </p:txBody>
+      </p:sp>
+      <p:sp>
+        <p:nvSpPr>
+          <p:cNvPr id="4" name="TextBox 3">
+            <a:extLst>
+              <a:ext uri="{FF2B5EF4-FFF2-40B4-BE49-F238E27FC236}">
+                <a16:creationId xmlns:a16="http://schemas.microsoft.com/office/drawing/2014/main" id="{27834253-9F2F-4BC4-B2BE-E3377FC772CC}"/>
+              </a:ext>
+            </a:extLst>
+          </p:cNvPr>
+          <p:cNvSpPr txBox="1"/>
+          <p:nvPr/>
+        </p:nvSpPr>
+        <p:spPr>
+          <a:xfrm>
+            <a:off x="1413164" y="3251909"/>
+            <a:ext cx="2333488" cy="523220"/>
+          </a:xfrm>
+          <a:prstGeom prst="rect">
+            <a:avLst/>
+          </a:prstGeom>
+          <a:noFill/>
+        </p:spPr>
+        <p:txBody>
+          <a:bodyPr wrap="square" rtlCol="0">
+            <a:spAutoFit/>
+          </a:bodyPr>
+          <a:lstStyle/>
+          <a:p>
+            <a:r>
+              <a:rPr lang="en-US" altLang="ko-KR" sz="2800" dirty="0">
+                <a:solidFill>
+                  <a:schemeClr val="bg1">
+                    <a:lumMod val="75000"/>
+                  </a:schemeClr>
+                </a:solidFill>
+                <a:latin typeface="Artifakt Element Medium" panose="020B0603050000020004" pitchFamily="34" charset="0"/>
+                <a:ea typeface="Artifakt Element Medium" panose="020B0603050000020004" pitchFamily="34" charset="0"/>
+              </a:rPr>
+              <a:t>But, </a:t>
+            </a:r>
+            <a:r>
+              <a:rPr lang="en-US" altLang="ko-KR" sz="2800" dirty="0">
+                <a:solidFill>
+                  <a:schemeClr val="bg1"/>
+                </a:solidFill>
+                <a:latin typeface="Artifakt Element Medium" panose="020B0603050000020004" pitchFamily="34" charset="0"/>
+                <a:ea typeface="Artifakt Element Medium" panose="020B0603050000020004" pitchFamily="34" charset="0"/>
+              </a:rPr>
+              <a:t>How ?</a:t>
+            </a:r>
+            <a:endParaRPr lang="ko-KR" altLang="en-US" sz="2800" dirty="0">
+              <a:solidFill>
+                <a:schemeClr val="bg1"/>
+              </a:solidFill>
+              <a:latin typeface="Artifakt Element Medium" panose="020B0603050000020004" pitchFamily="34" charset="0"/>
+            </a:endParaRPr>
+          </a:p>
+        </p:txBody>
+      </p:sp>
+    </p:spTree>
+    <p:extLst>
+      <p:ext uri="{BB962C8B-B14F-4D97-AF65-F5344CB8AC3E}">
+        <p14:creationId xmlns:p14="http://schemas.microsoft.com/office/powerpoint/2010/main" val="2740041859"/>
       </p:ext>
     </p:extLst>
   </p:cSld>
@@ -5665,139 +4942,713 @@
       </p:grpSpPr>
       <p:pic>
         <p:nvPicPr>
-          <p:cNvPr id="3" name="그림 2"/>
+          <p:cNvPr id="2" name="Picture 4" descr="Dynamo (@DynamoBIM) | Twitter">
+            <a:extLst>
+              <a:ext uri="{FF2B5EF4-FFF2-40B4-BE49-F238E27FC236}">
+                <a16:creationId xmlns:a16="http://schemas.microsoft.com/office/drawing/2014/main" id="{EE459FF0-08F5-41AB-B423-BBB70BBE48F6}"/>
+              </a:ext>
+            </a:extLst>
+          </p:cNvPr>
           <p:cNvPicPr>
-            <a:picLocks noChangeAspect="1"/>
+            <a:picLocks noChangeAspect="1" noChangeArrowheads="1"/>
           </p:cNvPicPr>
           <p:nvPr/>
         </p:nvPicPr>
         <p:blipFill rotWithShape="1">
-          <a:blip r:embed="rId2">
-            <a:duotone>
-              <a:schemeClr val="accent2">
-                <a:shade val="45000"/>
-                <a:satMod val="135000"/>
-              </a:schemeClr>
-              <a:prstClr val="white"/>
-            </a:duotone>
+          <a:blip r:embed="rId2" cstate="print">
             <a:extLst>
-              <a:ext uri="{BEBA8EAE-BF5A-486C-A8C5-ECC9F3942E4B}">
-                <a14:imgProps xmlns:a14="http://schemas.microsoft.com/office/drawing/2010/main">
-                  <a14:imgLayer r:embed="rId3">
-                    <a14:imgEffect>
-                      <a14:saturation sat="127000"/>
-                    </a14:imgEffect>
-                    <a14:imgEffect>
-                      <a14:brightnessContrast bright="-30000" contrast="44000"/>
-                    </a14:imgEffect>
-                  </a14:imgLayer>
-                </a14:imgProps>
+              <a:ext uri="{28A0092B-C50C-407E-A947-70E740481C1C}">
+                <a14:useLocalDpi xmlns:a14="http://schemas.microsoft.com/office/drawing/2010/main" val="0"/>
               </a:ext>
             </a:extLst>
           </a:blip>
-          <a:srcRect l="19421" r="46"/>
+          <a:srcRect l="16418" t="8458" r="14866" b="8458"/>
           <a:stretch/>
         </p:blipFill>
-        <p:spPr>
-          <a:xfrm>
-            <a:off x="2235769" y="0"/>
-            <a:ext cx="9956231" cy="6858000"/>
+        <p:spPr bwMode="auto">
+          <a:xfrm>
+            <a:off x="9504963" y="281160"/>
+            <a:ext cx="971466" cy="1174606"/>
           </a:xfrm>
           <a:prstGeom prst="rect">
             <a:avLst/>
           </a:prstGeom>
+          <a:noFill/>
+          <a:extLst>
+            <a:ext uri="{909E8E84-426E-40DD-AFC4-6F175D3DCCD1}">
+              <a14:hiddenFill xmlns:a14="http://schemas.microsoft.com/office/drawing/2010/main">
+                <a:solidFill>
+                  <a:srgbClr val="FFFFFF"/>
+                </a:solidFill>
+              </a14:hiddenFill>
+            </a:ext>
+          </a:extLst>
         </p:spPr>
       </p:pic>
-      <p:sp>
-        <p:nvSpPr>
-          <p:cNvPr id="2" name="TextBox 1"/>
-          <p:cNvSpPr txBox="1"/>
-          <p:nvPr/>
-        </p:nvSpPr>
-        <p:spPr>
-          <a:xfrm>
-            <a:off x="1168091" y="3775129"/>
-            <a:ext cx="3486852" cy="523220"/>
-          </a:xfrm>
-          <a:prstGeom prst="rect">
-            <a:avLst/>
-          </a:prstGeom>
-          <a:noFill/>
-        </p:spPr>
-        <p:txBody>
-          <a:bodyPr wrap="none" rtlCol="0">
-            <a:spAutoFit/>
-          </a:bodyPr>
-          <a:lstStyle/>
-          <a:p>
-            <a:r>
-              <a:rPr lang="en-US" altLang="ko-KR" sz="2800" dirty="0">
-                <a:latin typeface="Artifakt Element Medium" panose="020B0603050000020004" pitchFamily="34" charset="0"/>
-                <a:ea typeface="Artifakt Element Medium" panose="020B0603050000020004" pitchFamily="34" charset="0"/>
-              </a:rPr>
-              <a:t>By Dynamo in Revit</a:t>
-            </a:r>
-            <a:endParaRPr lang="ko-KR" altLang="en-US" sz="2800" dirty="0">
-              <a:latin typeface="Artifakt Element Medium" panose="020B0603050000020004" pitchFamily="34" charset="0"/>
-            </a:endParaRPr>
-          </a:p>
-        </p:txBody>
-      </p:sp>
-      <p:sp>
-        <p:nvSpPr>
-          <p:cNvPr id="4" name="TextBox 3">
+      <p:pic>
+        <p:nvPicPr>
+          <p:cNvPr id="4" name="Picture 2" descr="Home">
             <a:extLst>
               <a:ext uri="{FF2B5EF4-FFF2-40B4-BE49-F238E27FC236}">
-                <a16:creationId xmlns:a16="http://schemas.microsoft.com/office/drawing/2014/main" id="{27834253-9F2F-4BC4-B2BE-E3377FC772CC}"/>
+                <a16:creationId xmlns:a16="http://schemas.microsoft.com/office/drawing/2014/main" id="{02256552-8197-4BE3-B1BF-4F5A4AF8E4D7}"/>
               </a:ext>
             </a:extLst>
           </p:cNvPr>
-          <p:cNvSpPr txBox="1"/>
-          <p:nvPr/>
-        </p:nvSpPr>
-        <p:spPr>
-          <a:xfrm>
-            <a:off x="1168091" y="3251909"/>
-            <a:ext cx="1999265" cy="523220"/>
+          <p:cNvPicPr>
+            <a:picLocks noChangeAspect="1" noChangeArrowheads="1"/>
+          </p:cNvPicPr>
+          <p:nvPr/>
+        </p:nvPicPr>
+        <p:blipFill rotWithShape="1">
+          <a:blip r:embed="rId3" cstate="print">
+            <a:extLst>
+              <a:ext uri="{28A0092B-C50C-407E-A947-70E740481C1C}">
+                <a14:useLocalDpi xmlns:a14="http://schemas.microsoft.com/office/drawing/2010/main" val="0"/>
+              </a:ext>
+            </a:extLst>
+          </a:blip>
+          <a:srcRect r="34178"/>
+          <a:stretch/>
+        </p:blipFill>
+        <p:spPr bwMode="auto">
+          <a:xfrm>
+            <a:off x="1865916" y="333473"/>
+            <a:ext cx="864294" cy="1069982"/>
           </a:xfrm>
           <a:prstGeom prst="rect">
             <a:avLst/>
           </a:prstGeom>
           <a:noFill/>
-        </p:spPr>
-        <p:txBody>
-          <a:bodyPr wrap="none" rtlCol="0">
-            <a:spAutoFit/>
-          </a:bodyPr>
-          <a:lstStyle/>
-          <a:p>
-            <a:r>
-              <a:rPr lang="en-US" altLang="ko-KR" sz="2800" dirty="0">
+          <a:extLst>
+            <a:ext uri="{909E8E84-426E-40DD-AFC4-6F175D3DCCD1}">
+              <a14:hiddenFill xmlns:a14="http://schemas.microsoft.com/office/drawing/2010/main">
                 <a:solidFill>
-                  <a:schemeClr val="bg1">
-                    <a:lumMod val="75000"/>
-                  </a:schemeClr>
+                  <a:srgbClr val="FFFFFF"/>
                 </a:solidFill>
-                <a:latin typeface="Artifakt Element Medium" panose="020B0603050000020004" pitchFamily="34" charset="0"/>
-                <a:ea typeface="Artifakt Element Medium" panose="020B0603050000020004" pitchFamily="34" charset="0"/>
-              </a:rPr>
-              <a:t>But, How ?</a:t>
-            </a:r>
-            <a:endParaRPr lang="ko-KR" altLang="en-US" sz="2800" dirty="0">
-              <a:solidFill>
-                <a:schemeClr val="bg1">
-                  <a:lumMod val="75000"/>
-                </a:schemeClr>
-              </a:solidFill>
-              <a:latin typeface="Artifakt Element Medium" panose="020B0603050000020004" pitchFamily="34" charset="0"/>
-            </a:endParaRPr>
-          </a:p>
-        </p:txBody>
-      </p:sp>
+              </a14:hiddenFill>
+            </a:ext>
+          </a:extLst>
+        </p:spPr>
+      </p:pic>
+      <p:grpSp>
+        <p:nvGrpSpPr>
+          <p:cNvPr id="15" name="그룹 14">
+            <a:extLst>
+              <a:ext uri="{FF2B5EF4-FFF2-40B4-BE49-F238E27FC236}">
+                <a16:creationId xmlns:a16="http://schemas.microsoft.com/office/drawing/2014/main" id="{C77525CE-D78C-4D4B-B498-4EAD60832783}"/>
+              </a:ext>
+            </a:extLst>
+          </p:cNvPr>
+          <p:cNvGrpSpPr/>
+          <p:nvPr/>
+        </p:nvGrpSpPr>
+        <p:grpSpPr>
+          <a:xfrm>
+            <a:off x="5911275" y="286572"/>
+            <a:ext cx="378691" cy="6173353"/>
+            <a:chOff x="5911275" y="286572"/>
+            <a:chExt cx="378691" cy="6173353"/>
+          </a:xfrm>
+        </p:grpSpPr>
+        <p:sp>
+          <p:nvSpPr>
+            <p:cNvPr id="3" name="타원 2">
+              <a:extLst>
+                <a:ext uri="{FF2B5EF4-FFF2-40B4-BE49-F238E27FC236}">
+                  <a16:creationId xmlns:a16="http://schemas.microsoft.com/office/drawing/2014/main" id="{DF369D4D-0731-4798-903E-8DAB8612DB47}"/>
+                </a:ext>
+              </a:extLst>
+            </p:cNvPr>
+            <p:cNvSpPr/>
+            <p:nvPr/>
+          </p:nvSpPr>
+          <p:spPr>
+            <a:xfrm>
+              <a:off x="5911275" y="286572"/>
+              <a:ext cx="378691" cy="378691"/>
+            </a:xfrm>
+            <a:prstGeom prst="ellipse">
+              <a:avLst/>
+            </a:prstGeom>
+            <a:solidFill>
+              <a:schemeClr val="bg1">
+                <a:lumMod val="75000"/>
+              </a:schemeClr>
+            </a:solidFill>
+            <a:ln>
+              <a:noFill/>
+            </a:ln>
+          </p:spPr>
+          <p:style>
+            <a:lnRef idx="2">
+              <a:schemeClr val="accent1">
+                <a:shade val="50000"/>
+              </a:schemeClr>
+            </a:lnRef>
+            <a:fillRef idx="1">
+              <a:schemeClr val="accent1"/>
+            </a:fillRef>
+            <a:effectRef idx="0">
+              <a:schemeClr val="accent1"/>
+            </a:effectRef>
+            <a:fontRef idx="minor">
+              <a:schemeClr val="lt1"/>
+            </a:fontRef>
+          </p:style>
+          <p:txBody>
+            <a:bodyPr rtlCol="0" anchor="ctr"/>
+            <a:lstStyle/>
+            <a:p>
+              <a:pPr algn="ctr"/>
+              <a:endParaRPr lang="ko-KR" altLang="en-US"/>
+            </a:p>
+          </p:txBody>
+        </p:sp>
+        <p:sp>
+          <p:nvSpPr>
+            <p:cNvPr id="5" name="타원 4">
+              <a:extLst>
+                <a:ext uri="{FF2B5EF4-FFF2-40B4-BE49-F238E27FC236}">
+                  <a16:creationId xmlns:a16="http://schemas.microsoft.com/office/drawing/2014/main" id="{95D5A906-1FC5-4D4E-B03D-0CBDE80E1CFB}"/>
+                </a:ext>
+              </a:extLst>
+            </p:cNvPr>
+            <p:cNvSpPr/>
+            <p:nvPr/>
+          </p:nvSpPr>
+          <p:spPr>
+            <a:xfrm>
+              <a:off x="5911275" y="868463"/>
+              <a:ext cx="378691" cy="378691"/>
+            </a:xfrm>
+            <a:prstGeom prst="ellipse">
+              <a:avLst/>
+            </a:prstGeom>
+            <a:solidFill>
+              <a:schemeClr val="bg1">
+                <a:lumMod val="75000"/>
+              </a:schemeClr>
+            </a:solidFill>
+            <a:ln>
+              <a:noFill/>
+            </a:ln>
+          </p:spPr>
+          <p:style>
+            <a:lnRef idx="2">
+              <a:schemeClr val="accent1">
+                <a:shade val="50000"/>
+              </a:schemeClr>
+            </a:lnRef>
+            <a:fillRef idx="1">
+              <a:schemeClr val="accent1"/>
+            </a:fillRef>
+            <a:effectRef idx="0">
+              <a:schemeClr val="accent1"/>
+            </a:effectRef>
+            <a:fontRef idx="minor">
+              <a:schemeClr val="lt1"/>
+            </a:fontRef>
+          </p:style>
+          <p:txBody>
+            <a:bodyPr rtlCol="0" anchor="ctr"/>
+            <a:lstStyle/>
+            <a:p>
+              <a:pPr algn="ctr"/>
+              <a:endParaRPr lang="ko-KR" altLang="en-US"/>
+            </a:p>
+          </p:txBody>
+        </p:sp>
+        <p:sp>
+          <p:nvSpPr>
+            <p:cNvPr id="6" name="타원 5">
+              <a:extLst>
+                <a:ext uri="{FF2B5EF4-FFF2-40B4-BE49-F238E27FC236}">
+                  <a16:creationId xmlns:a16="http://schemas.microsoft.com/office/drawing/2014/main" id="{550ABC92-40FB-4516-B390-ACEF1E5AB600}"/>
+                </a:ext>
+              </a:extLst>
+            </p:cNvPr>
+            <p:cNvSpPr/>
+            <p:nvPr/>
+          </p:nvSpPr>
+          <p:spPr>
+            <a:xfrm>
+              <a:off x="5911275" y="1450354"/>
+              <a:ext cx="378691" cy="378691"/>
+            </a:xfrm>
+            <a:prstGeom prst="ellipse">
+              <a:avLst/>
+            </a:prstGeom>
+            <a:solidFill>
+              <a:schemeClr val="bg1">
+                <a:lumMod val="75000"/>
+              </a:schemeClr>
+            </a:solidFill>
+            <a:ln>
+              <a:noFill/>
+            </a:ln>
+          </p:spPr>
+          <p:style>
+            <a:lnRef idx="2">
+              <a:schemeClr val="accent1">
+                <a:shade val="50000"/>
+              </a:schemeClr>
+            </a:lnRef>
+            <a:fillRef idx="1">
+              <a:schemeClr val="accent1"/>
+            </a:fillRef>
+            <a:effectRef idx="0">
+              <a:schemeClr val="accent1"/>
+            </a:effectRef>
+            <a:fontRef idx="minor">
+              <a:schemeClr val="lt1"/>
+            </a:fontRef>
+          </p:style>
+          <p:txBody>
+            <a:bodyPr rtlCol="0" anchor="ctr"/>
+            <a:lstStyle/>
+            <a:p>
+              <a:pPr algn="ctr"/>
+              <a:endParaRPr lang="ko-KR" altLang="en-US"/>
+            </a:p>
+          </p:txBody>
+        </p:sp>
+        <p:sp>
+          <p:nvSpPr>
+            <p:cNvPr id="7" name="타원 6">
+              <a:extLst>
+                <a:ext uri="{FF2B5EF4-FFF2-40B4-BE49-F238E27FC236}">
+                  <a16:creationId xmlns:a16="http://schemas.microsoft.com/office/drawing/2014/main" id="{AF7D9F83-E495-487B-961E-F39C591E856D}"/>
+                </a:ext>
+              </a:extLst>
+            </p:cNvPr>
+            <p:cNvSpPr/>
+            <p:nvPr/>
+          </p:nvSpPr>
+          <p:spPr>
+            <a:xfrm>
+              <a:off x="5911275" y="2029214"/>
+              <a:ext cx="378691" cy="378691"/>
+            </a:xfrm>
+            <a:prstGeom prst="ellipse">
+              <a:avLst/>
+            </a:prstGeom>
+            <a:solidFill>
+              <a:schemeClr val="bg1">
+                <a:lumMod val="75000"/>
+              </a:schemeClr>
+            </a:solidFill>
+            <a:ln>
+              <a:noFill/>
+            </a:ln>
+          </p:spPr>
+          <p:style>
+            <a:lnRef idx="2">
+              <a:schemeClr val="accent1">
+                <a:shade val="50000"/>
+              </a:schemeClr>
+            </a:lnRef>
+            <a:fillRef idx="1">
+              <a:schemeClr val="accent1"/>
+            </a:fillRef>
+            <a:effectRef idx="0">
+              <a:schemeClr val="accent1"/>
+            </a:effectRef>
+            <a:fontRef idx="minor">
+              <a:schemeClr val="lt1"/>
+            </a:fontRef>
+          </p:style>
+          <p:txBody>
+            <a:bodyPr rtlCol="0" anchor="ctr"/>
+            <a:lstStyle/>
+            <a:p>
+              <a:pPr algn="ctr"/>
+              <a:endParaRPr lang="ko-KR" altLang="en-US"/>
+            </a:p>
+          </p:txBody>
+        </p:sp>
+        <p:sp>
+          <p:nvSpPr>
+            <p:cNvPr id="8" name="타원 7">
+              <a:extLst>
+                <a:ext uri="{FF2B5EF4-FFF2-40B4-BE49-F238E27FC236}">
+                  <a16:creationId xmlns:a16="http://schemas.microsoft.com/office/drawing/2014/main" id="{2DBF224A-DA50-4C5E-AEEF-5D845FE38556}"/>
+                </a:ext>
+              </a:extLst>
+            </p:cNvPr>
+            <p:cNvSpPr/>
+            <p:nvPr/>
+          </p:nvSpPr>
+          <p:spPr>
+            <a:xfrm>
+              <a:off x="5911275" y="2608074"/>
+              <a:ext cx="378691" cy="378691"/>
+            </a:xfrm>
+            <a:prstGeom prst="ellipse">
+              <a:avLst/>
+            </a:prstGeom>
+            <a:solidFill>
+              <a:schemeClr val="bg1">
+                <a:lumMod val="75000"/>
+              </a:schemeClr>
+            </a:solidFill>
+            <a:ln>
+              <a:noFill/>
+            </a:ln>
+          </p:spPr>
+          <p:style>
+            <a:lnRef idx="2">
+              <a:schemeClr val="accent1">
+                <a:shade val="50000"/>
+              </a:schemeClr>
+            </a:lnRef>
+            <a:fillRef idx="1">
+              <a:schemeClr val="accent1"/>
+            </a:fillRef>
+            <a:effectRef idx="0">
+              <a:schemeClr val="accent1"/>
+            </a:effectRef>
+            <a:fontRef idx="minor">
+              <a:schemeClr val="lt1"/>
+            </a:fontRef>
+          </p:style>
+          <p:txBody>
+            <a:bodyPr rtlCol="0" anchor="ctr"/>
+            <a:lstStyle/>
+            <a:p>
+              <a:pPr algn="ctr"/>
+              <a:endParaRPr lang="ko-KR" altLang="en-US"/>
+            </a:p>
+          </p:txBody>
+        </p:sp>
+        <p:sp>
+          <p:nvSpPr>
+            <p:cNvPr id="9" name="타원 8">
+              <a:extLst>
+                <a:ext uri="{FF2B5EF4-FFF2-40B4-BE49-F238E27FC236}">
+                  <a16:creationId xmlns:a16="http://schemas.microsoft.com/office/drawing/2014/main" id="{3631AE6F-193F-4D02-AE4B-366687E5C55C}"/>
+                </a:ext>
+              </a:extLst>
+            </p:cNvPr>
+            <p:cNvSpPr/>
+            <p:nvPr/>
+          </p:nvSpPr>
+          <p:spPr>
+            <a:xfrm>
+              <a:off x="5911275" y="3186934"/>
+              <a:ext cx="378691" cy="378691"/>
+            </a:xfrm>
+            <a:prstGeom prst="ellipse">
+              <a:avLst/>
+            </a:prstGeom>
+            <a:solidFill>
+              <a:schemeClr val="bg1">
+                <a:lumMod val="75000"/>
+              </a:schemeClr>
+            </a:solidFill>
+            <a:ln>
+              <a:noFill/>
+            </a:ln>
+          </p:spPr>
+          <p:style>
+            <a:lnRef idx="2">
+              <a:schemeClr val="accent1">
+                <a:shade val="50000"/>
+              </a:schemeClr>
+            </a:lnRef>
+            <a:fillRef idx="1">
+              <a:schemeClr val="accent1"/>
+            </a:fillRef>
+            <a:effectRef idx="0">
+              <a:schemeClr val="accent1"/>
+            </a:effectRef>
+            <a:fontRef idx="minor">
+              <a:schemeClr val="lt1"/>
+            </a:fontRef>
+          </p:style>
+          <p:txBody>
+            <a:bodyPr rtlCol="0" anchor="ctr"/>
+            <a:lstStyle/>
+            <a:p>
+              <a:pPr algn="ctr"/>
+              <a:endParaRPr lang="ko-KR" altLang="en-US"/>
+            </a:p>
+          </p:txBody>
+        </p:sp>
+        <p:sp>
+          <p:nvSpPr>
+            <p:cNvPr id="10" name="타원 9">
+              <a:extLst>
+                <a:ext uri="{FF2B5EF4-FFF2-40B4-BE49-F238E27FC236}">
+                  <a16:creationId xmlns:a16="http://schemas.microsoft.com/office/drawing/2014/main" id="{25295251-FE5C-468C-AA1C-9DA476454D47}"/>
+                </a:ext>
+              </a:extLst>
+            </p:cNvPr>
+            <p:cNvSpPr/>
+            <p:nvPr/>
+          </p:nvSpPr>
+          <p:spPr>
+            <a:xfrm>
+              <a:off x="5911275" y="3765794"/>
+              <a:ext cx="378691" cy="378691"/>
+            </a:xfrm>
+            <a:prstGeom prst="ellipse">
+              <a:avLst/>
+            </a:prstGeom>
+            <a:solidFill>
+              <a:schemeClr val="bg1">
+                <a:lumMod val="75000"/>
+              </a:schemeClr>
+            </a:solidFill>
+            <a:ln>
+              <a:noFill/>
+            </a:ln>
+          </p:spPr>
+          <p:style>
+            <a:lnRef idx="2">
+              <a:schemeClr val="accent1">
+                <a:shade val="50000"/>
+              </a:schemeClr>
+            </a:lnRef>
+            <a:fillRef idx="1">
+              <a:schemeClr val="accent1"/>
+            </a:fillRef>
+            <a:effectRef idx="0">
+              <a:schemeClr val="accent1"/>
+            </a:effectRef>
+            <a:fontRef idx="minor">
+              <a:schemeClr val="lt1"/>
+            </a:fontRef>
+          </p:style>
+          <p:txBody>
+            <a:bodyPr rtlCol="0" anchor="ctr"/>
+            <a:lstStyle/>
+            <a:p>
+              <a:pPr algn="ctr"/>
+              <a:endParaRPr lang="ko-KR" altLang="en-US"/>
+            </a:p>
+          </p:txBody>
+        </p:sp>
+        <p:sp>
+          <p:nvSpPr>
+            <p:cNvPr id="11" name="타원 10">
+              <a:extLst>
+                <a:ext uri="{FF2B5EF4-FFF2-40B4-BE49-F238E27FC236}">
+                  <a16:creationId xmlns:a16="http://schemas.microsoft.com/office/drawing/2014/main" id="{3DD34F6D-42C5-4EE9-B2B2-E4D2B3A5143F}"/>
+                </a:ext>
+              </a:extLst>
+            </p:cNvPr>
+            <p:cNvSpPr/>
+            <p:nvPr/>
+          </p:nvSpPr>
+          <p:spPr>
+            <a:xfrm>
+              <a:off x="5911275" y="4344654"/>
+              <a:ext cx="378691" cy="378691"/>
+            </a:xfrm>
+            <a:prstGeom prst="ellipse">
+              <a:avLst/>
+            </a:prstGeom>
+            <a:solidFill>
+              <a:schemeClr val="bg1">
+                <a:lumMod val="75000"/>
+              </a:schemeClr>
+            </a:solidFill>
+            <a:ln>
+              <a:noFill/>
+            </a:ln>
+          </p:spPr>
+          <p:style>
+            <a:lnRef idx="2">
+              <a:schemeClr val="accent1">
+                <a:shade val="50000"/>
+              </a:schemeClr>
+            </a:lnRef>
+            <a:fillRef idx="1">
+              <a:schemeClr val="accent1"/>
+            </a:fillRef>
+            <a:effectRef idx="0">
+              <a:schemeClr val="accent1"/>
+            </a:effectRef>
+            <a:fontRef idx="minor">
+              <a:schemeClr val="lt1"/>
+            </a:fontRef>
+          </p:style>
+          <p:txBody>
+            <a:bodyPr rtlCol="0" anchor="ctr"/>
+            <a:lstStyle/>
+            <a:p>
+              <a:pPr algn="ctr"/>
+              <a:endParaRPr lang="ko-KR" altLang="en-US"/>
+            </a:p>
+          </p:txBody>
+        </p:sp>
+        <p:sp>
+          <p:nvSpPr>
+            <p:cNvPr id="12" name="타원 11">
+              <a:extLst>
+                <a:ext uri="{FF2B5EF4-FFF2-40B4-BE49-F238E27FC236}">
+                  <a16:creationId xmlns:a16="http://schemas.microsoft.com/office/drawing/2014/main" id="{C8FD030F-177C-4856-A4B8-3B78A2939177}"/>
+                </a:ext>
+              </a:extLst>
+            </p:cNvPr>
+            <p:cNvSpPr/>
+            <p:nvPr/>
+          </p:nvSpPr>
+          <p:spPr>
+            <a:xfrm>
+              <a:off x="5911275" y="4923514"/>
+              <a:ext cx="378691" cy="378691"/>
+            </a:xfrm>
+            <a:prstGeom prst="ellipse">
+              <a:avLst/>
+            </a:prstGeom>
+            <a:solidFill>
+              <a:schemeClr val="bg1">
+                <a:lumMod val="75000"/>
+              </a:schemeClr>
+            </a:solidFill>
+            <a:ln>
+              <a:noFill/>
+            </a:ln>
+          </p:spPr>
+          <p:style>
+            <a:lnRef idx="2">
+              <a:schemeClr val="accent1">
+                <a:shade val="50000"/>
+              </a:schemeClr>
+            </a:lnRef>
+            <a:fillRef idx="1">
+              <a:schemeClr val="accent1"/>
+            </a:fillRef>
+            <a:effectRef idx="0">
+              <a:schemeClr val="accent1"/>
+            </a:effectRef>
+            <a:fontRef idx="minor">
+              <a:schemeClr val="lt1"/>
+            </a:fontRef>
+          </p:style>
+          <p:txBody>
+            <a:bodyPr rtlCol="0" anchor="ctr"/>
+            <a:lstStyle/>
+            <a:p>
+              <a:pPr algn="ctr"/>
+              <a:endParaRPr lang="ko-KR" altLang="en-US"/>
+            </a:p>
+          </p:txBody>
+        </p:sp>
+        <p:sp>
+          <p:nvSpPr>
+            <p:cNvPr id="13" name="타원 12">
+              <a:extLst>
+                <a:ext uri="{FF2B5EF4-FFF2-40B4-BE49-F238E27FC236}">
+                  <a16:creationId xmlns:a16="http://schemas.microsoft.com/office/drawing/2014/main" id="{89AE52FF-CEDD-4169-B4DA-A2D9E306C6F4}"/>
+                </a:ext>
+              </a:extLst>
+            </p:cNvPr>
+            <p:cNvSpPr/>
+            <p:nvPr/>
+          </p:nvSpPr>
+          <p:spPr>
+            <a:xfrm>
+              <a:off x="5911275" y="5502374"/>
+              <a:ext cx="378691" cy="378691"/>
+            </a:xfrm>
+            <a:prstGeom prst="ellipse">
+              <a:avLst/>
+            </a:prstGeom>
+            <a:solidFill>
+              <a:schemeClr val="bg1">
+                <a:lumMod val="75000"/>
+              </a:schemeClr>
+            </a:solidFill>
+            <a:ln>
+              <a:noFill/>
+            </a:ln>
+          </p:spPr>
+          <p:style>
+            <a:lnRef idx="2">
+              <a:schemeClr val="accent1">
+                <a:shade val="50000"/>
+              </a:schemeClr>
+            </a:lnRef>
+            <a:fillRef idx="1">
+              <a:schemeClr val="accent1"/>
+            </a:fillRef>
+            <a:effectRef idx="0">
+              <a:schemeClr val="accent1"/>
+            </a:effectRef>
+            <a:fontRef idx="minor">
+              <a:schemeClr val="lt1"/>
+            </a:fontRef>
+          </p:style>
+          <p:txBody>
+            <a:bodyPr rtlCol="0" anchor="ctr"/>
+            <a:lstStyle/>
+            <a:p>
+              <a:pPr algn="ctr"/>
+              <a:endParaRPr lang="ko-KR" altLang="en-US"/>
+            </a:p>
+          </p:txBody>
+        </p:sp>
+        <p:sp>
+          <p:nvSpPr>
+            <p:cNvPr id="14" name="타원 13">
+              <a:extLst>
+                <a:ext uri="{FF2B5EF4-FFF2-40B4-BE49-F238E27FC236}">
+                  <a16:creationId xmlns:a16="http://schemas.microsoft.com/office/drawing/2014/main" id="{36B78F84-C03C-4768-9FEE-FC835BB70AFF}"/>
+                </a:ext>
+              </a:extLst>
+            </p:cNvPr>
+            <p:cNvSpPr/>
+            <p:nvPr/>
+          </p:nvSpPr>
+          <p:spPr>
+            <a:xfrm>
+              <a:off x="5911275" y="6081234"/>
+              <a:ext cx="378691" cy="378691"/>
+            </a:xfrm>
+            <a:prstGeom prst="ellipse">
+              <a:avLst/>
+            </a:prstGeom>
+            <a:solidFill>
+              <a:schemeClr val="bg1">
+                <a:lumMod val="75000"/>
+              </a:schemeClr>
+            </a:solidFill>
+            <a:ln>
+              <a:noFill/>
+            </a:ln>
+          </p:spPr>
+          <p:style>
+            <a:lnRef idx="2">
+              <a:schemeClr val="accent1">
+                <a:shade val="50000"/>
+              </a:schemeClr>
+            </a:lnRef>
+            <a:fillRef idx="1">
+              <a:schemeClr val="accent1"/>
+            </a:fillRef>
+            <a:effectRef idx="0">
+              <a:schemeClr val="accent1"/>
+            </a:effectRef>
+            <a:fontRef idx="minor">
+              <a:schemeClr val="lt1"/>
+            </a:fontRef>
+          </p:style>
+          <p:txBody>
+            <a:bodyPr rtlCol="0" anchor="ctr"/>
+            <a:lstStyle/>
+            <a:p>
+              <a:pPr algn="ctr"/>
+              <a:endParaRPr lang="ko-KR" altLang="en-US"/>
+            </a:p>
+          </p:txBody>
+        </p:sp>
+      </p:grpSp>
     </p:spTree>
     <p:extLst>
       <p:ext uri="{BB962C8B-B14F-4D97-AF65-F5344CB8AC3E}">
-        <p14:creationId xmlns:p14="http://schemas.microsoft.com/office/powerpoint/2010/main" val="2740041859"/>
+        <p14:creationId xmlns:p14="http://schemas.microsoft.com/office/powerpoint/2010/main" val="2981099224"/>
       </p:ext>
     </p:extLst>
   </p:cSld>
@@ -5824,6 +5675,58 @@
           <a:chExt cx="0" cy="0"/>
         </a:xfrm>
       </p:grpSpPr>
+      <p:sp>
+        <p:nvSpPr>
+          <p:cNvPr id="2" name="TextBox 1">
+            <a:extLst>
+              <a:ext uri="{FF2B5EF4-FFF2-40B4-BE49-F238E27FC236}">
+                <a16:creationId xmlns:a16="http://schemas.microsoft.com/office/drawing/2014/main" id="{C7DB51DD-BCD8-45D9-9FD6-7B73B66DD992}"/>
+              </a:ext>
+            </a:extLst>
+          </p:cNvPr>
+          <p:cNvSpPr txBox="1"/>
+          <p:nvPr/>
+        </p:nvSpPr>
+        <p:spPr>
+          <a:xfrm>
+            <a:off x="1173018" y="1246909"/>
+            <a:ext cx="3825086" cy="1200329"/>
+          </a:xfrm>
+          <a:prstGeom prst="rect">
+            <a:avLst/>
+          </a:prstGeom>
+          <a:noFill/>
+        </p:spPr>
+        <p:txBody>
+          <a:bodyPr wrap="none" rtlCol="0">
+            <a:spAutoFit/>
+          </a:bodyPr>
+          <a:lstStyle/>
+          <a:p>
+            <a:r>
+              <a:rPr lang="ko-KR" altLang="en-US" dirty="0"/>
+              <a:t>프로그래밍에 대한 기본 지식</a:t>
+            </a:r>
+            <a:endParaRPr lang="en-US" altLang="ko-KR" dirty="0"/>
+          </a:p>
+          <a:p>
+            <a:r>
+              <a:rPr lang="ko-KR" altLang="en-US" dirty="0"/>
+              <a:t>당연히 있으면 좋다</a:t>
+            </a:r>
+            <a:endParaRPr lang="en-US" altLang="ko-KR" dirty="0"/>
+          </a:p>
+          <a:p>
+            <a:endParaRPr lang="en-US" altLang="ko-KR" dirty="0"/>
+          </a:p>
+          <a:p>
+            <a:r>
+              <a:rPr lang="ko-KR" altLang="en-US" dirty="0"/>
+              <a:t>하지만 없어도 바로 덤벼볼 수 있다</a:t>
+            </a:r>
+          </a:p>
+        </p:txBody>
+      </p:sp>
     </p:spTree>
     <p:extLst>
       <p:ext uri="{BB962C8B-B14F-4D97-AF65-F5344CB8AC3E}">
@@ -7252,7 +7155,19 @@
           <a:lstStyle/>
           <a:p>
             <a:pPr algn="ctr"/>
-            <a:endParaRPr lang="ko-KR" altLang="en-US"/>
+            <a:r>
+              <a:rPr lang="el-GR" altLang="ko-KR" dirty="0">
+                <a:solidFill>
+                  <a:schemeClr val="tx1"/>
+                </a:solidFill>
+              </a:rPr>
+              <a:t>α</a:t>
+            </a:r>
+            <a:endParaRPr lang="ko-KR" altLang="en-US" dirty="0">
+              <a:solidFill>
+                <a:schemeClr val="tx1"/>
+              </a:solidFill>
+            </a:endParaRPr>
           </a:p>
         </p:txBody>
       </p:sp>
@@ -9073,6 +8988,87 @@
           </a:p>
         </p:txBody>
       </p:sp>
+      <p:sp>
+        <p:nvSpPr>
+          <p:cNvPr id="37" name="TextBox 36">
+            <a:extLst>
+              <a:ext uri="{FF2B5EF4-FFF2-40B4-BE49-F238E27FC236}">
+                <a16:creationId xmlns:a16="http://schemas.microsoft.com/office/drawing/2014/main" id="{98C1DC30-EE17-44C6-9CAE-F9D333C5F250}"/>
+              </a:ext>
+            </a:extLst>
+          </p:cNvPr>
+          <p:cNvSpPr txBox="1"/>
+          <p:nvPr/>
+        </p:nvSpPr>
+        <p:spPr>
+          <a:xfrm>
+            <a:off x="5518836" y="4186169"/>
+            <a:ext cx="2312567" cy="246221"/>
+          </a:xfrm>
+          <a:prstGeom prst="rect">
+            <a:avLst/>
+          </a:prstGeom>
+          <a:noFill/>
+        </p:spPr>
+        <p:txBody>
+          <a:bodyPr wrap="square" rtlCol="0">
+            <a:spAutoFit/>
+          </a:bodyPr>
+          <a:lstStyle/>
+          <a:p>
+            <a:pPr algn="ctr"/>
+            <a:r>
+              <a:rPr lang="en-US" altLang="ko-KR" sz="1000" dirty="0">
+                <a:latin typeface="Artifakt Element" panose="020B0503050000020004" pitchFamily="34" charset="0"/>
+                <a:ea typeface="Artifakt Element" panose="020B0503050000020004" pitchFamily="34" charset="0"/>
+              </a:rPr>
+              <a:t>Feed Back</a:t>
+            </a:r>
+          </a:p>
+        </p:txBody>
+      </p:sp>
+      <p:sp>
+        <p:nvSpPr>
+          <p:cNvPr id="38" name="TextBox 37">
+            <a:extLst>
+              <a:ext uri="{FF2B5EF4-FFF2-40B4-BE49-F238E27FC236}">
+                <a16:creationId xmlns:a16="http://schemas.microsoft.com/office/drawing/2014/main" id="{5D65ACA8-37F9-4D2B-B60A-9EEDEF3115C0}"/>
+              </a:ext>
+            </a:extLst>
+          </p:cNvPr>
+          <p:cNvSpPr txBox="1"/>
+          <p:nvPr/>
+        </p:nvSpPr>
+        <p:spPr>
+          <a:xfrm>
+            <a:off x="3217817" y="467380"/>
+            <a:ext cx="887427" cy="400110"/>
+          </a:xfrm>
+          <a:prstGeom prst="rect">
+            <a:avLst/>
+          </a:prstGeom>
+          <a:noFill/>
+        </p:spPr>
+        <p:txBody>
+          <a:bodyPr wrap="square" rtlCol="0">
+            <a:spAutoFit/>
+          </a:bodyPr>
+          <a:lstStyle/>
+          <a:p>
+            <a:pPr algn="ctr"/>
+            <a:r>
+              <a:rPr lang="en-US" altLang="ko-KR" sz="1000" dirty="0">
+                <a:latin typeface="Artifakt Element" panose="020B0503050000020004" pitchFamily="34" charset="0"/>
+                <a:ea typeface="Artifakt Element" panose="020B0503050000020004" pitchFamily="34" charset="0"/>
+              </a:rPr>
+              <a:t>/w other dept.</a:t>
+            </a:r>
+            <a:endParaRPr lang="ko-KR" altLang="en-US" sz="1000" dirty="0">
+              <a:latin typeface="Artifakt Element" panose="020B0503050000020004" pitchFamily="34" charset="0"/>
+            </a:endParaRPr>
+          </a:p>
+        </p:txBody>
+      </p:sp>
     </p:spTree>
     <p:extLst>
       <p:ext uri="{BB962C8B-B14F-4D97-AF65-F5344CB8AC3E}">
@@ -10470,6 +10466,97 @@
           </a:p>
         </p:txBody>
       </p:sp>
+      <p:sp>
+        <p:nvSpPr>
+          <p:cNvPr id="28" name="TextBox 27">
+            <a:extLst>
+              <a:ext uri="{FF2B5EF4-FFF2-40B4-BE49-F238E27FC236}">
+                <a16:creationId xmlns:a16="http://schemas.microsoft.com/office/drawing/2014/main" id="{0AED1E98-D1E2-4535-AC71-8CDF9EB988CD}"/>
+              </a:ext>
+            </a:extLst>
+          </p:cNvPr>
+          <p:cNvSpPr txBox="1"/>
+          <p:nvPr/>
+        </p:nvSpPr>
+        <p:spPr>
+          <a:xfrm>
+            <a:off x="4532742" y="3075248"/>
+            <a:ext cx="1431334" cy="246221"/>
+          </a:xfrm>
+          <a:prstGeom prst="rect">
+            <a:avLst/>
+          </a:prstGeom>
+          <a:noFill/>
+        </p:spPr>
+        <p:txBody>
+          <a:bodyPr wrap="square" rtlCol="0">
+            <a:spAutoFit/>
+          </a:bodyPr>
+          <a:lstStyle/>
+          <a:p>
+            <a:pPr algn="ctr"/>
+            <a:r>
+              <a:rPr lang="en-US" altLang="ko-KR" sz="1000" dirty="0">
+                <a:latin typeface="Artifakt Element" panose="020B0503050000020004" pitchFamily="34" charset="0"/>
+                <a:ea typeface="Artifakt Element" panose="020B0503050000020004" pitchFamily="34" charset="0"/>
+              </a:rPr>
+              <a:t>Feed Back</a:t>
+            </a:r>
+          </a:p>
+        </p:txBody>
+      </p:sp>
+      <p:sp>
+        <p:nvSpPr>
+          <p:cNvPr id="29" name="TextBox 28">
+            <a:extLst>
+              <a:ext uri="{FF2B5EF4-FFF2-40B4-BE49-F238E27FC236}">
+                <a16:creationId xmlns:a16="http://schemas.microsoft.com/office/drawing/2014/main" id="{485AF161-F163-487C-B546-0A9C40655FBF}"/>
+              </a:ext>
+            </a:extLst>
+          </p:cNvPr>
+          <p:cNvSpPr txBox="1"/>
+          <p:nvPr/>
+        </p:nvSpPr>
+        <p:spPr>
+          <a:xfrm>
+            <a:off x="3217817" y="467380"/>
+            <a:ext cx="887427" cy="400110"/>
+          </a:xfrm>
+          <a:prstGeom prst="rect">
+            <a:avLst/>
+          </a:prstGeom>
+          <a:noFill/>
+        </p:spPr>
+        <p:txBody>
+          <a:bodyPr wrap="square" rtlCol="0">
+            <a:spAutoFit/>
+          </a:bodyPr>
+          <a:lstStyle/>
+          <a:p>
+            <a:pPr algn="ctr"/>
+            <a:r>
+              <a:rPr lang="en-US" altLang="ko-KR" sz="1000" dirty="0">
+                <a:solidFill>
+                  <a:schemeClr val="bg1">
+                    <a:lumMod val="65000"/>
+                  </a:schemeClr>
+                </a:solidFill>
+                <a:latin typeface="Artifakt Element" panose="020B0503050000020004" pitchFamily="34" charset="0"/>
+                <a:ea typeface="Artifakt Element" panose="020B0503050000020004" pitchFamily="34" charset="0"/>
+              </a:rPr>
+              <a:t>/w other dept.</a:t>
+            </a:r>
+            <a:endParaRPr lang="ko-KR" altLang="en-US" sz="1000" dirty="0">
+              <a:solidFill>
+                <a:schemeClr val="bg1">
+                  <a:lumMod val="65000"/>
+                </a:schemeClr>
+              </a:solidFill>
+              <a:latin typeface="Artifakt Element" panose="020B0503050000020004" pitchFamily="34" charset="0"/>
+            </a:endParaRPr>
+          </a:p>
+        </p:txBody>
+      </p:sp>
     </p:spTree>
     <p:extLst>
       <p:ext uri="{BB962C8B-B14F-4D97-AF65-F5344CB8AC3E}">
@@ -10500,126 +10587,6 @@
           <a:chExt cx="0" cy="0"/>
         </a:xfrm>
       </p:grpSpPr>
-      <p:pic>
-        <p:nvPicPr>
-          <p:cNvPr id="2" name="Picture 4" descr="Dynamo (@DynamoBIM) | Twitter">
-            <a:extLst>
-              <a:ext uri="{FF2B5EF4-FFF2-40B4-BE49-F238E27FC236}">
-                <a16:creationId xmlns:a16="http://schemas.microsoft.com/office/drawing/2014/main" id="{EE459FF0-08F5-41AB-B423-BBB70BBE48F6}"/>
-              </a:ext>
-            </a:extLst>
-          </p:cNvPr>
-          <p:cNvPicPr>
-            <a:picLocks noChangeAspect="1" noChangeArrowheads="1"/>
-          </p:cNvPicPr>
-          <p:nvPr/>
-        </p:nvPicPr>
-        <p:blipFill rotWithShape="1">
-          <a:blip r:embed="rId2">
-            <a:extLst>
-              <a:ext uri="{28A0092B-C50C-407E-A947-70E740481C1C}">
-                <a14:useLocalDpi xmlns:a14="http://schemas.microsoft.com/office/drawing/2010/main" val="0"/>
-              </a:ext>
-            </a:extLst>
-          </a:blip>
-          <a:srcRect l="16418" t="8458" r="14866" b="8458"/>
-          <a:stretch/>
-        </p:blipFill>
-        <p:spPr bwMode="auto">
-          <a:xfrm>
-            <a:off x="6369803" y="2265679"/>
-            <a:ext cx="1754107" cy="2120900"/>
-          </a:xfrm>
-          <a:prstGeom prst="rect">
-            <a:avLst/>
-          </a:prstGeom>
-          <a:noFill/>
-          <a:extLst>
-            <a:ext uri="{909E8E84-426E-40DD-AFC4-6F175D3DCCD1}">
-              <a14:hiddenFill xmlns:a14="http://schemas.microsoft.com/office/drawing/2010/main">
-                <a:solidFill>
-                  <a:srgbClr val="FFFFFF"/>
-                </a:solidFill>
-              </a14:hiddenFill>
-            </a:ext>
-          </a:extLst>
-        </p:spPr>
-      </p:pic>
-      <p:pic>
-        <p:nvPicPr>
-          <p:cNvPr id="4" name="Picture 2" descr="Home">
-            <a:extLst>
-              <a:ext uri="{FF2B5EF4-FFF2-40B4-BE49-F238E27FC236}">
-                <a16:creationId xmlns:a16="http://schemas.microsoft.com/office/drawing/2014/main" id="{02256552-8197-4BE3-B1BF-4F5A4AF8E4D7}"/>
-              </a:ext>
-            </a:extLst>
-          </p:cNvPr>
-          <p:cNvPicPr>
-            <a:picLocks noChangeAspect="1" noChangeArrowheads="1"/>
-          </p:cNvPicPr>
-          <p:nvPr/>
-        </p:nvPicPr>
-        <p:blipFill rotWithShape="1">
-          <a:blip r:embed="rId3" cstate="print">
-            <a:extLst>
-              <a:ext uri="{28A0092B-C50C-407E-A947-70E740481C1C}">
-                <a14:useLocalDpi xmlns:a14="http://schemas.microsoft.com/office/drawing/2010/main" val="0"/>
-              </a:ext>
-            </a:extLst>
-          </a:blip>
-          <a:srcRect r="34178"/>
-          <a:stretch/>
-        </p:blipFill>
-        <p:spPr bwMode="auto">
-          <a:xfrm>
-            <a:off x="3919220" y="2360136"/>
-            <a:ext cx="1560595" cy="1931987"/>
-          </a:xfrm>
-          <a:prstGeom prst="rect">
-            <a:avLst/>
-          </a:prstGeom>
-          <a:noFill/>
-          <a:extLst>
-            <a:ext uri="{909E8E84-426E-40DD-AFC4-6F175D3DCCD1}">
-              <a14:hiddenFill xmlns:a14="http://schemas.microsoft.com/office/drawing/2010/main">
-                <a:solidFill>
-                  <a:srgbClr val="FFFFFF"/>
-                </a:solidFill>
-              </a14:hiddenFill>
-            </a:ext>
-          </a:extLst>
-        </p:spPr>
-      </p:pic>
-    </p:spTree>
-    <p:extLst>
-      <p:ext uri="{BB962C8B-B14F-4D97-AF65-F5344CB8AC3E}">
-        <p14:creationId xmlns:p14="http://schemas.microsoft.com/office/powerpoint/2010/main" val="2981099224"/>
-      </p:ext>
-    </p:extLst>
-  </p:cSld>
-  <p:clrMapOvr>
-    <a:masterClrMapping/>
-  </p:clrMapOvr>
-</p:sld>
-</file>
-
-<file path=ppt/slides/slide7.xml><?xml version="1.0" encoding="utf-8"?>
-<p:sld xmlns:a="http://schemas.openxmlformats.org/drawingml/2006/main" xmlns:r="http://schemas.openxmlformats.org/officeDocument/2006/relationships" xmlns:p="http://schemas.openxmlformats.org/presentationml/2006/main">
-  <p:cSld>
-    <p:spTree>
-      <p:nvGrpSpPr>
-        <p:cNvPr id="1" name=""/>
-        <p:cNvGrpSpPr/>
-        <p:nvPr/>
-      </p:nvGrpSpPr>
-      <p:grpSpPr>
-        <a:xfrm>
-          <a:off x="0" y="0"/>
-          <a:ext cx="0" cy="0"/>
-          <a:chOff x="0" y="0"/>
-          <a:chExt cx="0" cy="0"/>
-        </a:xfrm>
-      </p:grpSpPr>
       <p:sp>
         <p:nvSpPr>
           <p:cNvPr id="2" name="TextBox 1">
@@ -10675,7 +10642,7 @@
 </p:sld>
 </file>
 
-<file path=ppt/slides/slide8.xml><?xml version="1.0" encoding="utf-8"?>
+<file path=ppt/slides/slide7.xml><?xml version="1.0" encoding="utf-8"?>
 <p:sld xmlns:a="http://schemas.openxmlformats.org/drawingml/2006/main" xmlns:r="http://schemas.openxmlformats.org/officeDocument/2006/relationships" xmlns:p="http://schemas.openxmlformats.org/presentationml/2006/main">
   <p:cSld>
     <p:spTree>
@@ -11175,6 +11142,53 @@
           </a:p>
         </p:txBody>
       </p:sp>
+      <p:pic>
+        <p:nvPicPr>
+          <p:cNvPr id="1026" name="Picture 2" descr="Frame Object in Axonometric Perspective - Isometric Grid Templat 벡터 이미지 |  로열티 무료">
+            <a:extLst>
+              <a:ext uri="{FF2B5EF4-FFF2-40B4-BE49-F238E27FC236}">
+                <a16:creationId xmlns:a16="http://schemas.microsoft.com/office/drawing/2014/main" id="{90B1FB6A-66C3-4D42-8E50-5F34BBC2C2F1}"/>
+              </a:ext>
+            </a:extLst>
+          </p:cNvPr>
+          <p:cNvPicPr>
+            <a:picLocks noChangeAspect="1" noChangeArrowheads="1"/>
+          </p:cNvPicPr>
+          <p:nvPr/>
+        </p:nvPicPr>
+        <p:blipFill>
+          <a:blip r:embed="rId3" cstate="print">
+            <a:extLst>
+              <a:ext uri="{28A0092B-C50C-407E-A947-70E740481C1C}">
+                <a14:useLocalDpi xmlns:a14="http://schemas.microsoft.com/office/drawing/2010/main" val="0"/>
+              </a:ext>
+            </a:extLst>
+          </a:blip>
+          <a:srcRect/>
+          <a:stretch>
+            <a:fillRect/>
+          </a:stretch>
+        </p:blipFill>
+        <p:spPr bwMode="auto">
+          <a:xfrm>
+            <a:off x="5600292" y="3712222"/>
+            <a:ext cx="615780" cy="615780"/>
+          </a:xfrm>
+          <a:prstGeom prst="rect">
+            <a:avLst/>
+          </a:prstGeom>
+          <a:noFill/>
+          <a:extLst>
+            <a:ext uri="{909E8E84-426E-40DD-AFC4-6F175D3DCCD1}">
+              <a14:hiddenFill xmlns:a14="http://schemas.microsoft.com/office/drawing/2010/main">
+                <a:solidFill>
+                  <a:srgbClr val="FFFFFF"/>
+                </a:solidFill>
+              </a14:hiddenFill>
+            </a:ext>
+          </a:extLst>
+        </p:spPr>
+      </p:pic>
     </p:spTree>
     <p:extLst>
       <p:ext uri="{BB962C8B-B14F-4D97-AF65-F5344CB8AC3E}">
@@ -11188,7 +11202,7 @@
 </p:sld>
 </file>
 
-<file path=ppt/slides/slide9.xml><?xml version="1.0" encoding="utf-8"?>
+<file path=ppt/slides/slide8.xml><?xml version="1.0" encoding="utf-8"?>
 <p:sld xmlns:a="http://schemas.openxmlformats.org/drawingml/2006/main" xmlns:r="http://schemas.openxmlformats.org/officeDocument/2006/relationships" xmlns:p="http://schemas.openxmlformats.org/presentationml/2006/main">
   <p:cSld>
     <p:spTree>
@@ -11327,7 +11341,7 @@
         </p:nvSpPr>
         <p:spPr>
           <a:xfrm>
-            <a:off x="6591300" y="2794000"/>
+            <a:off x="5922715" y="2969491"/>
             <a:ext cx="346570" cy="369332"/>
           </a:xfrm>
           <a:prstGeom prst="rect">
@@ -11890,8 +11904,8 @@
         </p:nvSpPr>
         <p:spPr>
           <a:xfrm>
-            <a:off x="7376365" y="1612615"/>
-            <a:ext cx="2719014" cy="369332"/>
+            <a:off x="7153983" y="1612615"/>
+            <a:ext cx="3190297" cy="369332"/>
           </a:xfrm>
           <a:prstGeom prst="rect">
             <a:avLst/>
@@ -11904,6 +11918,26 @@
           </a:bodyPr>
           <a:lstStyle/>
           <a:p>
+            <a:r>
+              <a:rPr lang="el-GR" altLang="ko-KR" dirty="0">
+                <a:solidFill>
+                  <a:schemeClr val="tx1"/>
+                </a:solidFill>
+              </a:rPr>
+              <a:t>α</a:t>
+            </a:r>
+            <a:r>
+              <a:rPr lang="ko-KR" altLang="en-US" dirty="0"/>
+              <a:t> </a:t>
+            </a:r>
+            <a:r>
+              <a:rPr lang="en-US" altLang="ko-KR" dirty="0"/>
+              <a:t>=</a:t>
+            </a:r>
+            <a:r>
+              <a:rPr lang="ko-KR" altLang="en-US" dirty="0"/>
+              <a:t> </a:t>
+            </a:r>
             <a:r>
               <a:rPr lang="en-US" altLang="ko-KR" dirty="0">
                 <a:latin typeface="Artifakt Element" panose="020B0503050000020004" pitchFamily="34" charset="0"/>
@@ -11921,6 +11955,919 @@
     <p:extLst>
       <p:ext uri="{BB962C8B-B14F-4D97-AF65-F5344CB8AC3E}">
         <p14:creationId xmlns:p14="http://schemas.microsoft.com/office/powerpoint/2010/main" val="1554168022"/>
+      </p:ext>
+    </p:extLst>
+  </p:cSld>
+  <p:clrMapOvr>
+    <a:masterClrMapping/>
+  </p:clrMapOvr>
+</p:sld>
+</file>
+
+<file path=ppt/slides/slide9.xml><?xml version="1.0" encoding="utf-8"?>
+<p:sld xmlns:a="http://schemas.openxmlformats.org/drawingml/2006/main" xmlns:r="http://schemas.openxmlformats.org/officeDocument/2006/relationships" xmlns:p="http://schemas.openxmlformats.org/presentationml/2006/main">
+  <p:cSld>
+    <p:spTree>
+      <p:nvGrpSpPr>
+        <p:cNvPr id="1" name=""/>
+        <p:cNvGrpSpPr/>
+        <p:nvPr/>
+      </p:nvGrpSpPr>
+      <p:grpSpPr>
+        <a:xfrm>
+          <a:off x="0" y="0"/>
+          <a:ext cx="0" cy="0"/>
+          <a:chOff x="0" y="0"/>
+          <a:chExt cx="0" cy="0"/>
+        </a:xfrm>
+      </p:grpSpPr>
+      <p:sp>
+        <p:nvSpPr>
+          <p:cNvPr id="32" name="직사각형 31"/>
+          <p:cNvSpPr/>
+          <p:nvPr/>
+        </p:nvSpPr>
+        <p:spPr>
+          <a:xfrm>
+            <a:off x="4923756" y="1346200"/>
+            <a:ext cx="3209017" cy="4123765"/>
+          </a:xfrm>
+          <a:prstGeom prst="rect">
+            <a:avLst/>
+          </a:prstGeom>
+          <a:solidFill>
+            <a:srgbClr val="FF6699">
+              <a:alpha val="19000"/>
+            </a:srgbClr>
+          </a:solidFill>
+          <a:ln>
+            <a:noFill/>
+          </a:ln>
+        </p:spPr>
+        <p:style>
+          <a:lnRef idx="2">
+            <a:schemeClr val="accent1">
+              <a:shade val="50000"/>
+            </a:schemeClr>
+          </a:lnRef>
+          <a:fillRef idx="1">
+            <a:schemeClr val="accent1"/>
+          </a:fillRef>
+          <a:effectRef idx="0">
+            <a:schemeClr val="accent1"/>
+          </a:effectRef>
+          <a:fontRef idx="minor">
+            <a:schemeClr val="lt1"/>
+          </a:fontRef>
+        </p:style>
+        <p:txBody>
+          <a:bodyPr rtlCol="0" anchor="ctr"/>
+          <a:lstStyle/>
+          <a:p>
+            <a:pPr algn="ctr"/>
+            <a:endParaRPr lang="ko-KR" altLang="en-US"/>
+          </a:p>
+        </p:txBody>
+      </p:sp>
+      <p:grpSp>
+        <p:nvGrpSpPr>
+          <p:cNvPr id="4" name="그룹 3"/>
+          <p:cNvGrpSpPr/>
+          <p:nvPr/>
+        </p:nvGrpSpPr>
+        <p:grpSpPr>
+          <a:xfrm>
+            <a:off x="966512" y="1815960"/>
+            <a:ext cx="2543461" cy="1461602"/>
+            <a:chOff x="354616" y="290998"/>
+            <a:chExt cx="2543461" cy="1461602"/>
+          </a:xfrm>
+        </p:grpSpPr>
+        <p:pic>
+          <p:nvPicPr>
+            <p:cNvPr id="2" name="그림 1"/>
+            <p:cNvPicPr>
+              <a:picLocks noChangeAspect="1"/>
+            </p:cNvPicPr>
+            <p:nvPr/>
+          </p:nvPicPr>
+          <p:blipFill rotWithShape="1">
+            <a:blip r:embed="rId2" cstate="print">
+              <a:extLst>
+                <a:ext uri="{28A0092B-C50C-407E-A947-70E740481C1C}">
+                  <a14:useLocalDpi xmlns:a14="http://schemas.microsoft.com/office/drawing/2010/main" val="0"/>
+                </a:ext>
+              </a:extLst>
+            </a:blip>
+            <a:srcRect l="8999" t="4445" r="8800" b="12592"/>
+            <a:stretch/>
+          </p:blipFill>
+          <p:spPr>
+            <a:xfrm>
+              <a:off x="354616" y="290998"/>
+              <a:ext cx="1340889" cy="1461602"/>
+            </a:xfrm>
+            <a:prstGeom prst="rect">
+              <a:avLst/>
+            </a:prstGeom>
+          </p:spPr>
+        </p:pic>
+        <p:sp>
+          <p:nvSpPr>
+            <p:cNvPr id="3" name="직사각형 2"/>
+            <p:cNvSpPr/>
+            <p:nvPr/>
+          </p:nvSpPr>
+          <p:spPr>
+            <a:xfrm>
+              <a:off x="2025722" y="544998"/>
+              <a:ext cx="872355" cy="369332"/>
+            </a:xfrm>
+            <a:prstGeom prst="rect">
+              <a:avLst/>
+            </a:prstGeom>
+          </p:spPr>
+          <p:txBody>
+            <a:bodyPr wrap="none">
+              <a:spAutoFit/>
+            </a:bodyPr>
+            <a:lstStyle/>
+            <a:p>
+              <a:pPr algn="r"/>
+              <a:r>
+                <a:rPr lang="en-US" altLang="ko-KR" dirty="0">
+                  <a:solidFill>
+                    <a:srgbClr val="00B0F0"/>
+                  </a:solidFill>
+                  <a:latin typeface="Artifakt Element" panose="020B0503050000020004" pitchFamily="34" charset="0"/>
+                  <a:ea typeface="Artifakt Element" panose="020B0503050000020004" pitchFamily="34" charset="0"/>
+                </a:rPr>
+                <a:t>WBS 1</a:t>
+              </a:r>
+            </a:p>
+          </p:txBody>
+        </p:sp>
+      </p:grpSp>
+      <p:grpSp>
+        <p:nvGrpSpPr>
+          <p:cNvPr id="5" name="그룹 4"/>
+          <p:cNvGrpSpPr/>
+          <p:nvPr/>
+        </p:nvGrpSpPr>
+        <p:grpSpPr>
+          <a:xfrm>
+            <a:off x="966512" y="3277562"/>
+            <a:ext cx="2543461" cy="1461602"/>
+            <a:chOff x="354616" y="290998"/>
+            <a:chExt cx="2543461" cy="1461602"/>
+          </a:xfrm>
+        </p:grpSpPr>
+        <p:pic>
+          <p:nvPicPr>
+            <p:cNvPr id="6" name="그림 5"/>
+            <p:cNvPicPr>
+              <a:picLocks noChangeAspect="1"/>
+            </p:cNvPicPr>
+            <p:nvPr/>
+          </p:nvPicPr>
+          <p:blipFill rotWithShape="1">
+            <a:blip r:embed="rId2" cstate="print">
+              <a:extLst>
+                <a:ext uri="{28A0092B-C50C-407E-A947-70E740481C1C}">
+                  <a14:useLocalDpi xmlns:a14="http://schemas.microsoft.com/office/drawing/2010/main" val="0"/>
+                </a:ext>
+              </a:extLst>
+            </a:blip>
+            <a:srcRect l="8999" t="4445" r="8800" b="12592"/>
+            <a:stretch/>
+          </p:blipFill>
+          <p:spPr>
+            <a:xfrm>
+              <a:off x="354616" y="290998"/>
+              <a:ext cx="1340889" cy="1461602"/>
+            </a:xfrm>
+            <a:prstGeom prst="rect">
+              <a:avLst/>
+            </a:prstGeom>
+          </p:spPr>
+        </p:pic>
+        <p:sp>
+          <p:nvSpPr>
+            <p:cNvPr id="7" name="직사각형 6"/>
+            <p:cNvSpPr/>
+            <p:nvPr/>
+          </p:nvSpPr>
+          <p:spPr>
+            <a:xfrm>
+              <a:off x="2025722" y="544998"/>
+              <a:ext cx="872355" cy="369332"/>
+            </a:xfrm>
+            <a:prstGeom prst="rect">
+              <a:avLst/>
+            </a:prstGeom>
+          </p:spPr>
+          <p:txBody>
+            <a:bodyPr wrap="none">
+              <a:spAutoFit/>
+            </a:bodyPr>
+            <a:lstStyle/>
+            <a:p>
+              <a:pPr algn="r"/>
+              <a:r>
+                <a:rPr lang="en-US" altLang="ko-KR" dirty="0">
+                  <a:solidFill>
+                    <a:srgbClr val="00B0F0"/>
+                  </a:solidFill>
+                  <a:latin typeface="Artifakt Element" panose="020B0503050000020004" pitchFamily="34" charset="0"/>
+                  <a:ea typeface="Artifakt Element" panose="020B0503050000020004" pitchFamily="34" charset="0"/>
+                </a:rPr>
+                <a:t>WBS 2</a:t>
+              </a:r>
+            </a:p>
+          </p:txBody>
+        </p:sp>
+      </p:grpSp>
+      <p:grpSp>
+        <p:nvGrpSpPr>
+          <p:cNvPr id="8" name="그룹 7"/>
+          <p:cNvGrpSpPr/>
+          <p:nvPr/>
+        </p:nvGrpSpPr>
+        <p:grpSpPr>
+          <a:xfrm>
+            <a:off x="966512" y="4739164"/>
+            <a:ext cx="2543461" cy="1461602"/>
+            <a:chOff x="354616" y="290998"/>
+            <a:chExt cx="2543461" cy="1461602"/>
+          </a:xfrm>
+        </p:grpSpPr>
+        <p:pic>
+          <p:nvPicPr>
+            <p:cNvPr id="9" name="그림 8"/>
+            <p:cNvPicPr>
+              <a:picLocks noChangeAspect="1"/>
+            </p:cNvPicPr>
+            <p:nvPr/>
+          </p:nvPicPr>
+          <p:blipFill rotWithShape="1">
+            <a:blip r:embed="rId2" cstate="print">
+              <a:extLst>
+                <a:ext uri="{28A0092B-C50C-407E-A947-70E740481C1C}">
+                  <a14:useLocalDpi xmlns:a14="http://schemas.microsoft.com/office/drawing/2010/main" val="0"/>
+                </a:ext>
+              </a:extLst>
+            </a:blip>
+            <a:srcRect l="8999" t="4445" r="8800" b="12592"/>
+            <a:stretch/>
+          </p:blipFill>
+          <p:spPr>
+            <a:xfrm>
+              <a:off x="354616" y="290998"/>
+              <a:ext cx="1340889" cy="1461602"/>
+            </a:xfrm>
+            <a:prstGeom prst="rect">
+              <a:avLst/>
+            </a:prstGeom>
+          </p:spPr>
+        </p:pic>
+        <p:sp>
+          <p:nvSpPr>
+            <p:cNvPr id="10" name="직사각형 9"/>
+            <p:cNvSpPr/>
+            <p:nvPr/>
+          </p:nvSpPr>
+          <p:spPr>
+            <a:xfrm>
+              <a:off x="2025722" y="544998"/>
+              <a:ext cx="872355" cy="369332"/>
+            </a:xfrm>
+            <a:prstGeom prst="rect">
+              <a:avLst/>
+            </a:prstGeom>
+          </p:spPr>
+          <p:txBody>
+            <a:bodyPr wrap="none">
+              <a:spAutoFit/>
+            </a:bodyPr>
+            <a:lstStyle/>
+            <a:p>
+              <a:pPr algn="r"/>
+              <a:r>
+                <a:rPr lang="en-US" altLang="ko-KR" dirty="0">
+                  <a:solidFill>
+                    <a:srgbClr val="00B0F0"/>
+                  </a:solidFill>
+                  <a:latin typeface="Artifakt Element" panose="020B0503050000020004" pitchFamily="34" charset="0"/>
+                  <a:ea typeface="Artifakt Element" panose="020B0503050000020004" pitchFamily="34" charset="0"/>
+                </a:rPr>
+                <a:t>WBS 3</a:t>
+              </a:r>
+            </a:p>
+          </p:txBody>
+        </p:sp>
+      </p:grpSp>
+      <p:sp>
+        <p:nvSpPr>
+          <p:cNvPr id="14" name="직사각형 13"/>
+          <p:cNvSpPr/>
+          <p:nvPr/>
+        </p:nvSpPr>
+        <p:spPr>
+          <a:xfrm>
+            <a:off x="4949018" y="2069960"/>
+            <a:ext cx="872355" cy="369332"/>
+          </a:xfrm>
+          <a:prstGeom prst="rect">
+            <a:avLst/>
+          </a:prstGeom>
+        </p:spPr>
+        <p:txBody>
+          <a:bodyPr wrap="none">
+            <a:spAutoFit/>
+          </a:bodyPr>
+          <a:lstStyle/>
+          <a:p>
+            <a:pPr algn="r"/>
+            <a:r>
+              <a:rPr lang="en-US" altLang="ko-KR" dirty="0">
+                <a:solidFill>
+                  <a:srgbClr val="FF0000"/>
+                </a:solidFill>
+                <a:latin typeface="Artifakt Element" panose="020B0503050000020004" pitchFamily="34" charset="0"/>
+                <a:ea typeface="Artifakt Element" panose="020B0503050000020004" pitchFamily="34" charset="0"/>
+              </a:rPr>
+              <a:t>WBS 4</a:t>
+            </a:r>
+          </a:p>
+        </p:txBody>
+      </p:sp>
+      <p:sp>
+        <p:nvSpPr>
+          <p:cNvPr id="15" name="TextBox 14"/>
+          <p:cNvSpPr txBox="1"/>
+          <p:nvPr/>
+        </p:nvSpPr>
+        <p:spPr>
+          <a:xfrm>
+            <a:off x="893618" y="727364"/>
+            <a:ext cx="2571538" cy="369332"/>
+          </a:xfrm>
+          <a:prstGeom prst="rect">
+            <a:avLst/>
+          </a:prstGeom>
+          <a:noFill/>
+        </p:spPr>
+        <p:txBody>
+          <a:bodyPr wrap="none" rtlCol="0">
+            <a:spAutoFit/>
+          </a:bodyPr>
+          <a:lstStyle/>
+          <a:p>
+            <a:r>
+              <a:rPr lang="en-US" altLang="ko-KR" dirty="0">
+                <a:latin typeface="Artifakt Element" panose="020B0503050000020004" pitchFamily="34" charset="0"/>
+                <a:ea typeface="Artifakt Element" panose="020B0503050000020004" pitchFamily="34" charset="0"/>
+              </a:rPr>
+              <a:t>&lt;in ENTIRE PROJECT&gt;</a:t>
+            </a:r>
+            <a:endParaRPr lang="ko-KR" altLang="en-US" dirty="0">
+              <a:latin typeface="Artifakt Element" panose="020B0503050000020004" pitchFamily="34" charset="0"/>
+            </a:endParaRPr>
+          </a:p>
+        </p:txBody>
+      </p:sp>
+      <p:sp>
+        <p:nvSpPr>
+          <p:cNvPr id="16" name="직사각형 15"/>
+          <p:cNvSpPr/>
+          <p:nvPr/>
+        </p:nvSpPr>
+        <p:spPr>
+          <a:xfrm>
+            <a:off x="4949018" y="3532454"/>
+            <a:ext cx="872355" cy="369332"/>
+          </a:xfrm>
+          <a:prstGeom prst="rect">
+            <a:avLst/>
+          </a:prstGeom>
+        </p:spPr>
+        <p:txBody>
+          <a:bodyPr wrap="none">
+            <a:spAutoFit/>
+          </a:bodyPr>
+          <a:lstStyle/>
+          <a:p>
+            <a:pPr algn="r"/>
+            <a:r>
+              <a:rPr lang="en-US" altLang="ko-KR" dirty="0">
+                <a:solidFill>
+                  <a:srgbClr val="FF0000"/>
+                </a:solidFill>
+                <a:latin typeface="Artifakt Element" panose="020B0503050000020004" pitchFamily="34" charset="0"/>
+                <a:ea typeface="Artifakt Element" panose="020B0503050000020004" pitchFamily="34" charset="0"/>
+              </a:rPr>
+              <a:t>WBS 5</a:t>
+            </a:r>
+          </a:p>
+        </p:txBody>
+      </p:sp>
+      <p:sp>
+        <p:nvSpPr>
+          <p:cNvPr id="17" name="직사각형 16"/>
+          <p:cNvSpPr/>
+          <p:nvPr/>
+        </p:nvSpPr>
+        <p:spPr>
+          <a:xfrm>
+            <a:off x="4949018" y="4993164"/>
+            <a:ext cx="872355" cy="369332"/>
+          </a:xfrm>
+          <a:prstGeom prst="rect">
+            <a:avLst/>
+          </a:prstGeom>
+        </p:spPr>
+        <p:txBody>
+          <a:bodyPr wrap="none">
+            <a:spAutoFit/>
+          </a:bodyPr>
+          <a:lstStyle/>
+          <a:p>
+            <a:pPr algn="r"/>
+            <a:r>
+              <a:rPr lang="en-US" altLang="ko-KR" dirty="0">
+                <a:solidFill>
+                  <a:srgbClr val="FF0000"/>
+                </a:solidFill>
+                <a:latin typeface="Artifakt Element" panose="020B0503050000020004" pitchFamily="34" charset="0"/>
+                <a:ea typeface="Artifakt Element" panose="020B0503050000020004" pitchFamily="34" charset="0"/>
+              </a:rPr>
+              <a:t>WBS 6</a:t>
+            </a:r>
+          </a:p>
+        </p:txBody>
+      </p:sp>
+      <p:sp>
+        <p:nvSpPr>
+          <p:cNvPr id="21" name="직사각형 20"/>
+          <p:cNvSpPr/>
+          <p:nvPr/>
+        </p:nvSpPr>
+        <p:spPr>
+          <a:xfrm>
+            <a:off x="7260418" y="2069960"/>
+            <a:ext cx="872355" cy="369332"/>
+          </a:xfrm>
+          <a:prstGeom prst="rect">
+            <a:avLst/>
+          </a:prstGeom>
+        </p:spPr>
+        <p:txBody>
+          <a:bodyPr wrap="none">
+            <a:spAutoFit/>
+          </a:bodyPr>
+          <a:lstStyle/>
+          <a:p>
+            <a:pPr algn="r"/>
+            <a:r>
+              <a:rPr lang="en-US" altLang="ko-KR" dirty="0">
+                <a:solidFill>
+                  <a:srgbClr val="FF0000"/>
+                </a:solidFill>
+                <a:latin typeface="Artifakt Element" panose="020B0503050000020004" pitchFamily="34" charset="0"/>
+                <a:ea typeface="Artifakt Element" panose="020B0503050000020004" pitchFamily="34" charset="0"/>
+              </a:rPr>
+              <a:t>WBS 7</a:t>
+            </a:r>
+          </a:p>
+        </p:txBody>
+      </p:sp>
+      <p:sp>
+        <p:nvSpPr>
+          <p:cNvPr id="22" name="직사각형 21"/>
+          <p:cNvSpPr/>
+          <p:nvPr/>
+        </p:nvSpPr>
+        <p:spPr>
+          <a:xfrm>
+            <a:off x="7260418" y="3532454"/>
+            <a:ext cx="872355" cy="369332"/>
+          </a:xfrm>
+          <a:prstGeom prst="rect">
+            <a:avLst/>
+          </a:prstGeom>
+        </p:spPr>
+        <p:txBody>
+          <a:bodyPr wrap="none">
+            <a:spAutoFit/>
+          </a:bodyPr>
+          <a:lstStyle/>
+          <a:p>
+            <a:pPr algn="r"/>
+            <a:r>
+              <a:rPr lang="en-US" altLang="ko-KR" dirty="0">
+                <a:solidFill>
+                  <a:srgbClr val="FF0000"/>
+                </a:solidFill>
+                <a:latin typeface="Artifakt Element" panose="020B0503050000020004" pitchFamily="34" charset="0"/>
+                <a:ea typeface="Artifakt Element" panose="020B0503050000020004" pitchFamily="34" charset="0"/>
+              </a:rPr>
+              <a:t>WBS 8</a:t>
+            </a:r>
+          </a:p>
+        </p:txBody>
+      </p:sp>
+      <p:sp>
+        <p:nvSpPr>
+          <p:cNvPr id="23" name="직사각형 22"/>
+          <p:cNvSpPr/>
+          <p:nvPr/>
+        </p:nvSpPr>
+        <p:spPr>
+          <a:xfrm>
+            <a:off x="7260418" y="4993164"/>
+            <a:ext cx="872355" cy="369332"/>
+          </a:xfrm>
+          <a:prstGeom prst="rect">
+            <a:avLst/>
+          </a:prstGeom>
+        </p:spPr>
+        <p:txBody>
+          <a:bodyPr wrap="none">
+            <a:spAutoFit/>
+          </a:bodyPr>
+          <a:lstStyle/>
+          <a:p>
+            <a:pPr algn="r"/>
+            <a:r>
+              <a:rPr lang="en-US" altLang="ko-KR" dirty="0">
+                <a:solidFill>
+                  <a:srgbClr val="FF0000"/>
+                </a:solidFill>
+                <a:latin typeface="Artifakt Element" panose="020B0503050000020004" pitchFamily="34" charset="0"/>
+                <a:ea typeface="Artifakt Element" panose="020B0503050000020004" pitchFamily="34" charset="0"/>
+              </a:rPr>
+              <a:t>WBS 9</a:t>
+            </a:r>
+          </a:p>
+        </p:txBody>
+      </p:sp>
+      <p:sp>
+        <p:nvSpPr>
+          <p:cNvPr id="24" name="모서리가 둥근 직사각형 23"/>
+          <p:cNvSpPr/>
+          <p:nvPr/>
+        </p:nvSpPr>
+        <p:spPr>
+          <a:xfrm>
+            <a:off x="893618" y="1815960"/>
+            <a:ext cx="2616355" cy="1461602"/>
+          </a:xfrm>
+          <a:prstGeom prst="roundRect">
+            <a:avLst/>
+          </a:prstGeom>
+          <a:noFill/>
+          <a:ln w="31750">
+            <a:solidFill>
+              <a:schemeClr val="tx1">
+                <a:alpha val="56000"/>
+              </a:schemeClr>
+            </a:solidFill>
+            <a:prstDash val="dash"/>
+          </a:ln>
+        </p:spPr>
+        <p:style>
+          <a:lnRef idx="2">
+            <a:schemeClr val="accent1">
+              <a:shade val="50000"/>
+            </a:schemeClr>
+          </a:lnRef>
+          <a:fillRef idx="1">
+            <a:schemeClr val="accent1"/>
+          </a:fillRef>
+          <a:effectRef idx="0">
+            <a:schemeClr val="accent1"/>
+          </a:effectRef>
+          <a:fontRef idx="minor">
+            <a:schemeClr val="lt1"/>
+          </a:fontRef>
+        </p:style>
+        <p:txBody>
+          <a:bodyPr rtlCol="0" anchor="ctr"/>
+          <a:lstStyle/>
+          <a:p>
+            <a:pPr algn="ctr"/>
+            <a:endParaRPr lang="ko-KR" altLang="en-US">
+              <a:latin typeface="Artifakt Element" panose="020B0503050000020004" pitchFamily="34" charset="0"/>
+            </a:endParaRPr>
+          </a:p>
+        </p:txBody>
+      </p:sp>
+      <p:sp>
+        <p:nvSpPr>
+          <p:cNvPr id="25" name="모서리가 둥근 직사각형 24"/>
+          <p:cNvSpPr/>
+          <p:nvPr/>
+        </p:nvSpPr>
+        <p:spPr>
+          <a:xfrm>
+            <a:off x="893618" y="3277562"/>
+            <a:ext cx="2616355" cy="1461602"/>
+          </a:xfrm>
+          <a:prstGeom prst="roundRect">
+            <a:avLst/>
+          </a:prstGeom>
+          <a:noFill/>
+          <a:ln w="31750">
+            <a:solidFill>
+              <a:schemeClr val="tx1">
+                <a:alpha val="56000"/>
+              </a:schemeClr>
+            </a:solidFill>
+            <a:prstDash val="dash"/>
+          </a:ln>
+        </p:spPr>
+        <p:style>
+          <a:lnRef idx="2">
+            <a:schemeClr val="accent1">
+              <a:shade val="50000"/>
+            </a:schemeClr>
+          </a:lnRef>
+          <a:fillRef idx="1">
+            <a:schemeClr val="accent1"/>
+          </a:fillRef>
+          <a:effectRef idx="0">
+            <a:schemeClr val="accent1"/>
+          </a:effectRef>
+          <a:fontRef idx="minor">
+            <a:schemeClr val="lt1"/>
+          </a:fontRef>
+        </p:style>
+        <p:txBody>
+          <a:bodyPr rtlCol="0" anchor="ctr"/>
+          <a:lstStyle/>
+          <a:p>
+            <a:pPr algn="ctr"/>
+            <a:endParaRPr lang="ko-KR" altLang="en-US">
+              <a:latin typeface="Artifakt Element" panose="020B0503050000020004" pitchFamily="34" charset="0"/>
+            </a:endParaRPr>
+          </a:p>
+        </p:txBody>
+      </p:sp>
+      <p:sp>
+        <p:nvSpPr>
+          <p:cNvPr id="26" name="모서리가 둥근 직사각형 25"/>
+          <p:cNvSpPr/>
+          <p:nvPr/>
+        </p:nvSpPr>
+        <p:spPr>
+          <a:xfrm>
+            <a:off x="893618" y="4739164"/>
+            <a:ext cx="2616355" cy="1461602"/>
+          </a:xfrm>
+          <a:prstGeom prst="roundRect">
+            <a:avLst/>
+          </a:prstGeom>
+          <a:noFill/>
+          <a:ln w="31750">
+            <a:solidFill>
+              <a:schemeClr val="tx1">
+                <a:alpha val="56000"/>
+              </a:schemeClr>
+            </a:solidFill>
+            <a:prstDash val="dash"/>
+          </a:ln>
+        </p:spPr>
+        <p:style>
+          <a:lnRef idx="2">
+            <a:schemeClr val="accent1">
+              <a:shade val="50000"/>
+            </a:schemeClr>
+          </a:lnRef>
+          <a:fillRef idx="1">
+            <a:schemeClr val="accent1"/>
+          </a:fillRef>
+          <a:effectRef idx="0">
+            <a:schemeClr val="accent1"/>
+          </a:effectRef>
+          <a:fontRef idx="minor">
+            <a:schemeClr val="lt1"/>
+          </a:fontRef>
+        </p:style>
+        <p:txBody>
+          <a:bodyPr rtlCol="0" anchor="ctr"/>
+          <a:lstStyle/>
+          <a:p>
+            <a:pPr algn="ctr"/>
+            <a:endParaRPr lang="ko-KR" altLang="en-US">
+              <a:latin typeface="Artifakt Element" panose="020B0503050000020004" pitchFamily="34" charset="0"/>
+            </a:endParaRPr>
+          </a:p>
+        </p:txBody>
+      </p:sp>
+      <p:sp>
+        <p:nvSpPr>
+          <p:cNvPr id="31" name="직사각형 30"/>
+          <p:cNvSpPr/>
+          <p:nvPr/>
+        </p:nvSpPr>
+        <p:spPr>
+          <a:xfrm>
+            <a:off x="2745496" y="1346200"/>
+            <a:ext cx="660400" cy="4854566"/>
+          </a:xfrm>
+          <a:prstGeom prst="rect">
+            <a:avLst/>
+          </a:prstGeom>
+          <a:solidFill>
+            <a:srgbClr val="92D050">
+              <a:alpha val="19000"/>
+            </a:srgbClr>
+          </a:solidFill>
+          <a:ln>
+            <a:noFill/>
+          </a:ln>
+        </p:spPr>
+        <p:style>
+          <a:lnRef idx="2">
+            <a:schemeClr val="accent1">
+              <a:shade val="50000"/>
+            </a:schemeClr>
+          </a:lnRef>
+          <a:fillRef idx="1">
+            <a:schemeClr val="accent1"/>
+          </a:fillRef>
+          <a:effectRef idx="0">
+            <a:schemeClr val="accent1"/>
+          </a:effectRef>
+          <a:fontRef idx="minor">
+            <a:schemeClr val="lt1"/>
+          </a:fontRef>
+        </p:style>
+        <p:txBody>
+          <a:bodyPr rtlCol="0" anchor="ctr"/>
+          <a:lstStyle/>
+          <a:p>
+            <a:pPr algn="ctr"/>
+            <a:endParaRPr lang="ko-KR" altLang="en-US"/>
+          </a:p>
+        </p:txBody>
+      </p:sp>
+      <p:sp>
+        <p:nvSpPr>
+          <p:cNvPr id="33" name="TextBox 32"/>
+          <p:cNvSpPr txBox="1"/>
+          <p:nvPr/>
+        </p:nvSpPr>
+        <p:spPr>
+          <a:xfrm>
+            <a:off x="4923756" y="1226097"/>
+            <a:ext cx="1760418" cy="276999"/>
+          </a:xfrm>
+          <a:prstGeom prst="rect">
+            <a:avLst/>
+          </a:prstGeom>
+          <a:noFill/>
+        </p:spPr>
+        <p:txBody>
+          <a:bodyPr wrap="none" rtlCol="0">
+            <a:spAutoFit/>
+          </a:bodyPr>
+          <a:lstStyle/>
+          <a:p>
+            <a:r>
+              <a:rPr lang="en-US" altLang="ko-KR" sz="1200" dirty="0">
+                <a:solidFill>
+                  <a:srgbClr val="FF0000"/>
+                </a:solidFill>
+                <a:latin typeface="Artifakt Element" panose="020B0503050000020004" pitchFamily="34" charset="0"/>
+                <a:ea typeface="Artifakt Element" panose="020B0503050000020004" pitchFamily="34" charset="0"/>
+              </a:rPr>
+              <a:t>UNBINDED WBS INFO</a:t>
+            </a:r>
+            <a:endParaRPr lang="ko-KR" altLang="en-US" sz="1200" dirty="0">
+              <a:solidFill>
+                <a:srgbClr val="FF0000"/>
+              </a:solidFill>
+              <a:latin typeface="Artifakt Element" panose="020B0503050000020004" pitchFamily="34" charset="0"/>
+            </a:endParaRPr>
+          </a:p>
+        </p:txBody>
+      </p:sp>
+      <p:sp>
+        <p:nvSpPr>
+          <p:cNvPr id="34" name="TextBox 33"/>
+          <p:cNvSpPr txBox="1"/>
+          <p:nvPr/>
+        </p:nvSpPr>
+        <p:spPr>
+          <a:xfrm>
+            <a:off x="2745496" y="1226097"/>
+            <a:ext cx="1537600" cy="276999"/>
+          </a:xfrm>
+          <a:prstGeom prst="rect">
+            <a:avLst/>
+          </a:prstGeom>
+          <a:noFill/>
+        </p:spPr>
+        <p:txBody>
+          <a:bodyPr wrap="none" rtlCol="0">
+            <a:spAutoFit/>
+          </a:bodyPr>
+          <a:lstStyle/>
+          <a:p>
+            <a:r>
+              <a:rPr lang="en-US" altLang="ko-KR" sz="1200" dirty="0">
+                <a:solidFill>
+                  <a:srgbClr val="00B0F0"/>
+                </a:solidFill>
+                <a:latin typeface="Artifakt Element" panose="020B0503050000020004" pitchFamily="34" charset="0"/>
+                <a:ea typeface="Artifakt Element" panose="020B0503050000020004" pitchFamily="34" charset="0"/>
+              </a:rPr>
+              <a:t>BINDED WBS INFO</a:t>
+            </a:r>
+            <a:endParaRPr lang="ko-KR" altLang="en-US" sz="1200" dirty="0">
+              <a:solidFill>
+                <a:srgbClr val="00B0F0"/>
+              </a:solidFill>
+              <a:latin typeface="Artifakt Element" panose="020B0503050000020004" pitchFamily="34" charset="0"/>
+            </a:endParaRPr>
+          </a:p>
+        </p:txBody>
+      </p:sp>
+      <p:sp>
+        <p:nvSpPr>
+          <p:cNvPr id="35" name="TextBox 34"/>
+          <p:cNvSpPr txBox="1"/>
+          <p:nvPr/>
+        </p:nvSpPr>
+        <p:spPr>
+          <a:xfrm>
+            <a:off x="1168091" y="1226097"/>
+            <a:ext cx="1257075" cy="276999"/>
+          </a:xfrm>
+          <a:prstGeom prst="rect">
+            <a:avLst/>
+          </a:prstGeom>
+          <a:noFill/>
+        </p:spPr>
+        <p:txBody>
+          <a:bodyPr wrap="none" rtlCol="0">
+            <a:spAutoFit/>
+          </a:bodyPr>
+          <a:lstStyle/>
+          <a:p>
+            <a:r>
+              <a:rPr lang="en-US" altLang="ko-KR" sz="1200" dirty="0">
+                <a:latin typeface="Artifakt Element" panose="020B0503050000020004" pitchFamily="34" charset="0"/>
+                <a:ea typeface="Artifakt Element" panose="020B0503050000020004" pitchFamily="34" charset="0"/>
+              </a:rPr>
+              <a:t>TOTAL WBS  =  </a:t>
+            </a:r>
+            <a:endParaRPr lang="ko-KR" altLang="en-US" sz="1200" dirty="0">
+              <a:latin typeface="Artifakt Element" panose="020B0503050000020004" pitchFamily="34" charset="0"/>
+            </a:endParaRPr>
+          </a:p>
+        </p:txBody>
+      </p:sp>
+      <p:sp>
+        <p:nvSpPr>
+          <p:cNvPr id="36" name="TextBox 35"/>
+          <p:cNvSpPr txBox="1"/>
+          <p:nvPr/>
+        </p:nvSpPr>
+        <p:spPr>
+          <a:xfrm>
+            <a:off x="4421354" y="1226097"/>
+            <a:ext cx="277640" cy="276999"/>
+          </a:xfrm>
+          <a:prstGeom prst="rect">
+            <a:avLst/>
+          </a:prstGeom>
+          <a:noFill/>
+        </p:spPr>
+        <p:txBody>
+          <a:bodyPr wrap="none" rtlCol="0">
+            <a:spAutoFit/>
+          </a:bodyPr>
+          <a:lstStyle/>
+          <a:p>
+            <a:r>
+              <a:rPr lang="en-US" altLang="ko-KR" sz="1200" dirty="0">
+                <a:latin typeface="Artifakt Element" panose="020B0503050000020004" pitchFamily="34" charset="0"/>
+                <a:ea typeface="Artifakt Element" panose="020B0503050000020004" pitchFamily="34" charset="0"/>
+              </a:rPr>
+              <a:t>+</a:t>
+            </a:r>
+            <a:endParaRPr lang="ko-KR" altLang="en-US" sz="1200" dirty="0">
+              <a:latin typeface="Artifakt Element" panose="020B0503050000020004" pitchFamily="34" charset="0"/>
+            </a:endParaRPr>
+          </a:p>
+        </p:txBody>
+      </p:sp>
+    </p:spTree>
+    <p:extLst>
+      <p:ext uri="{BB962C8B-B14F-4D97-AF65-F5344CB8AC3E}">
+        <p14:creationId xmlns:p14="http://schemas.microsoft.com/office/powerpoint/2010/main" val="2525410757"/>
       </p:ext>
     </p:extLst>
   </p:cSld>
